--- a/labs/lab11/presentation/presentation.pptx
+++ b/labs/lab11/presentation/presentation.pptx
@@ -19,21 +19,6 @@
     <p:sldId id="267" r:id="rId13"/>
     <p:sldId id="268" r:id="rId14"/>
     <p:sldId id="269" r:id="rId15"/>
-    <p:sldId id="270" r:id="rId16"/>
-    <p:sldId id="271" r:id="rId17"/>
-    <p:sldId id="272" r:id="rId18"/>
-    <p:sldId id="273" r:id="rId19"/>
-    <p:sldId id="274" r:id="rId20"/>
-    <p:sldId id="275" r:id="rId21"/>
-    <p:sldId id="276" r:id="rId22"/>
-    <p:sldId id="277" r:id="rId23"/>
-    <p:sldId id="278" r:id="rId24"/>
-    <p:sldId id="279" r:id="rId25"/>
-    <p:sldId id="280" r:id="rId26"/>
-    <p:sldId id="281" r:id="rId27"/>
-    <p:sldId id="282" r:id="rId28"/>
-    <p:sldId id="283" r:id="rId29"/>
-    <p:sldId id="284" r:id="rId30"/>
   </p:sldIdLst>
   <p:sldSz cx="9144000" cy="6858000" type="screen4x3"/>
   <p:notesSz cx="6858000" cy="9144000"/>
@@ -3164,7 +3149,7 @@
             </a:pPr>
             <a:r>
               <a:rPr/>
-              <a:t>Structural</a:t>
+              <a:t>Отчёт</a:t>
             </a:r>
             <a:r>
               <a:rPr/>
@@ -3172,7 +3157,7 @@
             </a:r>
             <a:r>
               <a:rPr/>
-              <a:t>approach</a:t>
+              <a:t>по</a:t>
             </a:r>
             <a:r>
               <a:rPr/>
@@ -3180,7 +3165,7 @@
             </a:r>
             <a:r>
               <a:rPr/>
-              <a:t>to</a:t>
+              <a:t>лабораторной</a:t>
             </a:r>
             <a:r>
               <a:rPr/>
@@ -3188,7 +3173,7 @@
             </a:r>
             <a:r>
               <a:rPr/>
-              <a:t>the</a:t>
+              <a:t>работе</a:t>
             </a:r>
             <a:r>
               <a:rPr/>
@@ -3196,23 +3181,7 @@
             </a:r>
             <a:r>
               <a:rPr/>
-              <a:t>deep</a:t>
-            </a:r>
-            <a:r>
-              <a:rPr/>
-              <a:t> </a:t>
-            </a:r>
-            <a:r>
-              <a:rPr/>
-              <a:t>learning</a:t>
-            </a:r>
-            <a:r>
-              <a:rPr/>
-              <a:t> </a:t>
-            </a:r>
-            <a:r>
-              <a:rPr/>
-              <a:t>method</a:t>
+              <a:t>№11</a:t>
             </a:r>
           </a:p>
         </p:txBody>
@@ -3240,32 +3209,31 @@
             <a:pPr lvl="0" marL="0" indent="0">
               <a:buNone/>
             </a:pPr>
+            <a:r>
+              <a:rPr/>
+              <a:t>Дисциплина:</a:t>
+            </a:r>
+            <a:r>
+              <a:rPr/>
+              <a:t> </a:t>
+            </a:r>
+            <a:r>
+              <a:rPr/>
+              <a:t>Операционные</a:t>
+            </a:r>
+            <a:r>
+              <a:rPr/>
+              <a:t> </a:t>
+            </a:r>
+            <a:r>
+              <a:rPr/>
+              <a:t>системы</a:t>
+            </a:r>
             <a:br/>
             <a:br/>
-          </a:p>
-        </p:txBody>
-      </p:sp>
-      <p:sp>
-        <p:nvSpPr>
-          <p:cNvPr id="4" name="Date Placeholder 3"/>
-          <p:cNvSpPr>
-            <a:spLocks noGrp="1"/>
-          </p:cNvSpPr>
-          <p:nvPr>
-            <p:ph type="dt" sz="half" idx="10"/>
-          </p:nvPr>
-        </p:nvSpPr>
-        <p:spPr/>
-        <p:txBody>
-          <a:bodyPr/>
-          <a:lstStyle/>
-          <a:p>
-            <a:pPr lvl="0" marL="0" indent="0">
-              <a:buNone/>
-            </a:pPr>
-            <a:r>
-              <a:rPr/>
-              <a:t>NEC–2019,</a:t>
+            <a:r>
+              <a:rPr/>
+              <a:t>Данько</a:t>
             </a:r>
             <a:r>
               <a:rPr/>
@@ -3273,7 +3241,7 @@
             </a:r>
             <a:r>
               <a:rPr/>
-              <a:t>30</a:t>
+              <a:t>Дмитрий</a:t>
             </a:r>
             <a:r>
               <a:rPr/>
@@ -3281,55 +3249,7 @@
             </a:r>
             <a:r>
               <a:rPr/>
-              <a:t>September</a:t>
-            </a:r>
-            <a:r>
-              <a:rPr/>
-              <a:t> </a:t>
-            </a:r>
-            <a:r>
-              <a:rPr/>
-              <a:t>–</a:t>
-            </a:r>
-            <a:r>
-              <a:rPr/>
-              <a:t> </a:t>
-            </a:r>
-            <a:r>
-              <a:rPr/>
-              <a:t>4</a:t>
-            </a:r>
-            <a:r>
-              <a:rPr/>
-              <a:t> </a:t>
-            </a:r>
-            <a:r>
-              <a:rPr/>
-              <a:t>October,</a:t>
-            </a:r>
-            <a:r>
-              <a:rPr/>
-              <a:t> </a:t>
-            </a:r>
-            <a:r>
-              <a:rPr/>
-              <a:t>2019</a:t>
-            </a:r>
-            <a:r>
-              <a:rPr/>
-              <a:t> </a:t>
-            </a:r>
-            <a:r>
-              <a:rPr/>
-              <a:t>Budva,</a:t>
-            </a:r>
-            <a:r>
-              <a:rPr/>
-              <a:t> </a:t>
-            </a:r>
-            <a:r>
-              <a:rPr/>
-              <a:t>Montenegro</a:t>
+              <a:t>Игоревич</a:t>
             </a:r>
           </a:p>
         </p:txBody>
@@ -3356,32 +3276,62 @@
           <a:chExt cx="0" cy="0"/>
         </a:xfrm>
       </p:grpSpPr>
-      <p:sp>
-        <p:nvSpPr>
-          <p:cNvPr id="2" name="Title 1"/>
-          <p:cNvSpPr>
-            <a:spLocks noGrp="1"/>
-          </p:cNvSpPr>
-          <p:nvPr>
-            <p:ph type="title"/>
-          </p:nvPr>
+      <p:pic>
+        <p:nvPicPr>
+          <p:cNvPr descr="image/4.png" id="0" name="Picture 1"/>
+          <p:cNvPicPr>
+            <a:picLocks noGrp="1" noChangeAspect="1"/>
+          </p:cNvPicPr>
+          <p:nvPr/>
+        </p:nvPicPr>
+        <p:blipFill>
+          <a:blip r:embed="rId2"/>
+          <a:stretch>
+            <a:fillRect/>
+          </a:stretch>
+        </p:blipFill>
+        <p:spPr bwMode="auto">
+          <a:xfrm>
+            <a:off x="2565400" y="1600200"/>
+            <a:ext cx="4013200" cy="4013200"/>
+          </a:xfrm>
+          <a:prstGeom prst="rect">
+            <a:avLst/>
+          </a:prstGeom>
+          <a:noFill/>
+          <a:ln w="9525">
+            <a:noFill/>
+            <a:headEnd/>
+            <a:tailEnd/>
+          </a:ln>
+        </p:spPr>
+      </p:pic>
+      <p:sp>
+        <p:nvSpPr>
+          <p:cNvPr id="1" name="TextBox 3"/>
+          <p:cNvSpPr txBox="1"/>
+          <p:nvPr/>
         </p:nvSpPr>
         <p:spPr>
           <a:xfrm>
-            <a:off x="722313" y="4406900"/>
-            <a:ext cx="7772400" cy="1362075"/>
+            <a:off x="457200" y="5613400"/>
+            <a:ext cx="8229600" cy="508000"/>
           </a:xfrm>
+          <a:prstGeom prst="rect">
+            <a:avLst/>
+          </a:prstGeom>
+          <a:noFill/>
         </p:spPr>
         <p:txBody>
           <a:bodyPr/>
           <a:lstStyle/>
           <a:p>
-            <a:pPr lvl="0" marL="0" indent="0">
+            <a:pPr lvl="0" marL="0" indent="0" algn="ctr">
               <a:buNone/>
             </a:pPr>
             <a:r>
               <a:rPr/>
-              <a:t>Структура</a:t>
+              <a:t>Создание</a:t>
             </a:r>
             <a:r>
               <a:rPr/>
@@ -3389,7 +3339,7 @@
             </a:r>
             <a:r>
               <a:rPr/>
-              <a:t>проекта</a:t>
+              <a:t>файла</a:t>
             </a:r>
           </a:p>
         </p:txBody>
@@ -3418,100 +3368,25 @@
       </p:grpSpPr>
       <p:sp>
         <p:nvSpPr>
-          <p:cNvPr id="2" name="Title 1"/>
-          <p:cNvSpPr>
-            <a:spLocks noGrp="1"/>
-          </p:cNvSpPr>
-          <p:nvPr>
-            <p:ph type="title"/>
-          </p:nvPr>
-        </p:nvSpPr>
-        <p:spPr/>
-        <p:txBody>
-          <a:bodyPr/>
-          <a:lstStyle/>
-          <a:p>
-            <a:pPr lvl="0" marL="0" indent="0">
-              <a:buNone/>
+          <p:cNvPr id="3" name="Content Placeholder 2"/>
+          <p:cNvSpPr>
+            <a:spLocks noGrp="1"/>
+          </p:cNvSpPr>
+          <p:nvPr>
+            <p:ph idx="1"/>
+          </p:nvPr>
+        </p:nvSpPr>
+        <p:spPr/>
+        <p:txBody>
+          <a:bodyPr/>
+          <a:lstStyle/>
+          <a:p>
+            <a:pPr lvl="2">
+              <a:buAutoNum type="arabicParenR"/>
             </a:pPr>
             <a:r>
               <a:rPr/>
-              <a:t>Как</a:t>
-            </a:r>
-            <a:r>
-              <a:rPr/>
-              <a:t> </a:t>
-            </a:r>
-            <a:r>
-              <a:rPr/>
-              <a:t>устроен</a:t>
-            </a:r>
-            <a:r>
-              <a:rPr/>
-              <a:t> </a:t>
-            </a:r>
-            <a:r>
-              <a:rPr/>
-              <a:t>проект</a:t>
-            </a:r>
-            <a:r>
-              <a:rPr/>
-              <a:t> </a:t>
-            </a:r>
-            <a:r>
-              <a:rPr/>
-              <a:t>анализа</a:t>
-            </a:r>
-            <a:r>
-              <a:rPr/>
-              <a:t> </a:t>
-            </a:r>
-            <a:r>
-              <a:rPr/>
-              <a:t>данных</a:t>
-            </a:r>
-          </a:p>
-        </p:txBody>
-      </p:sp>
-      <p:sp>
-        <p:nvSpPr>
-          <p:cNvPr id="3" name="Content Placeholder 2"/>
-          <p:cNvSpPr>
-            <a:spLocks noGrp="1"/>
-          </p:cNvSpPr>
-          <p:nvPr>
-            <p:ph idx="1"/>
-          </p:nvPr>
-        </p:nvSpPr>
-        <p:spPr/>
-        <p:txBody>
-          <a:bodyPr/>
-          <a:lstStyle/>
-          <a:p>
-            <a:pPr lvl="1">
-              <a:buAutoNum type="arabicPeriod"/>
-            </a:pPr>
-            <a:r>
-              <a:rPr/>
-              <a:t>Требования к проекту</a:t>
-            </a:r>
-          </a:p>
-          <a:p>
-            <a:pPr lvl="1">
-              <a:buAutoNum type="arabicPeriod"/>
-            </a:pPr>
-            <a:r>
-              <a:rPr/>
-              <a:t>Данные проекта</a:t>
-            </a:r>
-          </a:p>
-          <a:p>
-            <a:pPr lvl="1">
-              <a:buAutoNum type="arabicPeriod"/>
-            </a:pPr>
-            <a:r>
-              <a:rPr/>
-              <a:t>Разработка и внедрение проекта</a:t>
+              <a:t>Написал командный файл, который с помощью команды tar запаковывает в архив все файлы в указанной директории. Модифицировал его так, чтобы запаковывались только те файлы, которые были изменены менее недели тому назад (использовать команду find). Для данной задачи я содал файл text4.sh и написал соответствующий скрипт (рис. [-@fig:005])</a:t>
             </a:r>
           </a:p>
         </p:txBody>
@@ -3538,78 +3413,70 @@
           <a:chExt cx="0" cy="0"/>
         </a:xfrm>
       </p:grpSpPr>
-      <p:sp>
-        <p:nvSpPr>
-          <p:cNvPr id="2" name="Title 1"/>
-          <p:cNvSpPr>
-            <a:spLocks noGrp="1"/>
-          </p:cNvSpPr>
-          <p:nvPr>
-            <p:ph type="title"/>
-          </p:nvPr>
-        </p:nvSpPr>
-        <p:spPr/>
-        <p:txBody>
-          <a:bodyPr/>
-          <a:lstStyle/>
-          <a:p>
-            <a:pPr lvl="0" marL="0" indent="0">
+      <p:pic>
+        <p:nvPicPr>
+          <p:cNvPr descr="image/5.png" id="0" name="Picture 1"/>
+          <p:cNvPicPr>
+            <a:picLocks noGrp="1" noChangeAspect="1"/>
+          </p:cNvPicPr>
+          <p:nvPr/>
+        </p:nvPicPr>
+        <p:blipFill>
+          <a:blip r:embed="rId2"/>
+          <a:stretch>
+            <a:fillRect/>
+          </a:stretch>
+        </p:blipFill>
+        <p:spPr bwMode="auto">
+          <a:xfrm>
+            <a:off x="457200" y="1638300"/>
+            <a:ext cx="8229600" cy="3937000"/>
+          </a:xfrm>
+          <a:prstGeom prst="rect">
+            <a:avLst/>
+          </a:prstGeom>
+          <a:noFill/>
+          <a:ln w="9525">
+            <a:noFill/>
+            <a:headEnd/>
+            <a:tailEnd/>
+          </a:ln>
+        </p:spPr>
+      </p:pic>
+      <p:sp>
+        <p:nvSpPr>
+          <p:cNvPr id="1" name="TextBox 3"/>
+          <p:cNvSpPr txBox="1"/>
+          <p:nvPr/>
+        </p:nvSpPr>
+        <p:spPr>
+          <a:xfrm>
+            <a:off x="457200" y="5613400"/>
+            <a:ext cx="8229600" cy="508000"/>
+          </a:xfrm>
+          <a:prstGeom prst="rect">
+            <a:avLst/>
+          </a:prstGeom>
+          <a:noFill/>
+        </p:spPr>
+        <p:txBody>
+          <a:bodyPr/>
+          <a:lstStyle/>
+          <a:p>
+            <a:pPr lvl="0" marL="0" indent="0" algn="ctr">
               <a:buNone/>
             </a:pPr>
             <a:r>
               <a:rPr/>
-              <a:t>Требования</a:t>
-            </a:r>
-          </a:p>
-        </p:txBody>
-      </p:sp>
-      <p:sp>
-        <p:nvSpPr>
-          <p:cNvPr id="3" name="Content Placeholder 2"/>
-          <p:cNvSpPr>
-            <a:spLocks noGrp="1"/>
-          </p:cNvSpPr>
-          <p:nvPr>
-            <p:ph idx="1"/>
-          </p:nvPr>
-        </p:nvSpPr>
-        <p:spPr/>
-        <p:txBody>
-          <a:bodyPr/>
-          <a:lstStyle/>
-          <a:p>
-            <a:pPr lvl="1"/>
-            <a:r>
-              <a:rPr/>
-              <a:t>Мы ничего не знаем о том, какие у нас есть данные.</a:t>
-            </a:r>
-          </a:p>
-          <a:p>
-            <a:pPr lvl="1"/>
-            <a:r>
-              <a:rPr/>
-              <a:t>Мы должны вникнуть в постановку задачи.</a:t>
-            </a:r>
-          </a:p>
-          <a:p>
-            <a:pPr lvl="1"/>
-            <a:r>
-              <a:rPr/>
-              <a:t>Мы должны понять, какой результат требуется получить от проекта.</a:t>
-            </a:r>
-          </a:p>
-          <a:p>
-            <a:pPr lvl="1"/>
-            <a:r>
-              <a:rPr/>
-              <a:t>Мы должны решить, каким методом задача будет решаться.</a:t>
-            </a:r>
-          </a:p>
-          <a:p>
-            <a:pPr lvl="1"/>
-            <a:r>
-              <a:rPr/>
-              <a:t>Мы должны задать требования к данным.</a:t>
+              <a:t>Создание</a:t>
+            </a:r>
+            <a:r>
+              <a:rPr/>
+              <a:t> </a:t>
+            </a:r>
+            <a:r>
+              <a:rPr/>
+              <a:t>файла</a:t>
             </a:r>
           </a:p>
         </p:txBody>
@@ -3656,7 +3523,7 @@
             </a:pPr>
             <a:r>
               <a:rPr/>
-              <a:t>Данные</a:t>
+              <a:t>Выводы</a:t>
             </a:r>
           </a:p>
         </p:txBody>
@@ -3676,59 +3543,12 @@
           <a:bodyPr/>
           <a:lstStyle/>
           <a:p>
-            <a:pPr lvl="1"/>
-            <a:r>
-              <a:rPr/>
-              <a:t>Поиск данных для решения задачи:</a:t>
-            </a:r>
-          </a:p>
-          <a:p>
-            <a:pPr lvl="2"/>
-            <a:r>
-              <a:rPr/>
-              <a:t>мы узнаем, какие источники нам доступны;</a:t>
-            </a:r>
-          </a:p>
-          <a:p>
-            <a:pPr lvl="2"/>
-            <a:r>
-              <a:rPr/>
-              <a:t>мы формируем выборку, с которой в дальнейшем будем работать.</a:t>
-            </a:r>
-          </a:p>
-          <a:p>
-            <a:pPr lvl="1"/>
-            <a:r>
-              <a:rPr/>
-              <a:t>Исследование данных:</a:t>
-            </a:r>
-          </a:p>
-          <a:p>
-            <a:pPr lvl="2"/>
-            <a:r>
-              <a:rPr/>
-              <a:t>исследовать центральное положение и вариабельность;</a:t>
-            </a:r>
-          </a:p>
-          <a:p>
-            <a:pPr lvl="2"/>
-            <a:r>
-              <a:rPr/>
-              <a:t>выявить корреляции между признаками;</a:t>
-            </a:r>
-          </a:p>
-          <a:p>
-            <a:pPr lvl="2"/>
-            <a:r>
-              <a:rPr/>
-              <a:t>построить графики распределения.</a:t>
-            </a:r>
-          </a:p>
-          <a:p>
-            <a:pPr lvl="1"/>
-            <a:r>
-              <a:rPr/>
-              <a:t>Подготовка данных.</a:t>
+            <a:pPr lvl="0" marL="0" indent="0">
+              <a:buNone/>
+            </a:pPr>
+            <a:r>
+              <a:rPr/>
+              <a:t>В ходе выполнения лабораторной работы я изучил основы программирования в оболочке ОС UNIX и научился писать более сложные командные файлы с использованием логических управляющих конструкций циклов.</a:t>
             </a:r>
           </a:p>
         </p:txBody>
@@ -3775,7 +3595,7 @@
             </a:pPr>
             <a:r>
               <a:rPr/>
-              <a:t>Разработка</a:t>
+              <a:t>Ответы</a:t>
             </a:r>
             <a:r>
               <a:rPr/>
@@ -3783,7 +3603,7 @@
             </a:r>
             <a:r>
               <a:rPr/>
-              <a:t>и</a:t>
+              <a:t>на</a:t>
             </a:r>
             <a:r>
               <a:rPr/>
@@ -3791,7 +3611,15 @@
             </a:r>
             <a:r>
               <a:rPr/>
-              <a:t>внедрение</a:t>
+              <a:t>контрольные</a:t>
+            </a:r>
+            <a:r>
+              <a:rPr/>
+              <a:t> </a:t>
+            </a:r>
+            <a:r>
+              <a:rPr/>
+              <a:t>вопросы</a:t>
             </a:r>
           </a:p>
         </p:txBody>
@@ -3811,476 +3639,121 @@
           <a:bodyPr/>
           <a:lstStyle/>
           <a:p>
+            <a:pPr lvl="1">
+              <a:buAutoNum type="arabicPeriod"/>
+            </a:pPr>
+            <a:r>
+              <a:rPr/>
+              <a:t>Команда getopts осуществляет синтаксическй анализ командной строки, выделяя флаги, и используется для объявления переменных. Синтаксис команды следующий: getopts option-string variable [arg…]. Флаги − это опции командной строки, обычно помеченные знаком минус; Например,для команды ls флагом может являться -F. Строка опций option-string − это список возможных букв и чисел соответствующего флага. Если ожидается, что некоторый флаг будет сопровождаться некоторым аргументом, то за символом, обозначающим этот флаг, должно следовать двоеточие. Соответствующей переменной присваивается буква данной опции. Еслик оманда getopts может распознать аргумент, то она возвращает истину. Принято включать getopts в цикл while и анализировать введенные данные спомощью оператора case. Функция getopts включает две специальные переменные среды −OPTARG и OPTIND. Если ожидается доплнительное значение,то OPTARG устанавливается в значение этого аргумента. Функция getopts также понимает переменные типа массив, следовательно, можно использовать ее в функции не только для синтаксического анализа аргументов функций, но и для анализа введенных пользователем данных.</a:t>
+            </a:r>
+          </a:p>
+          <a:p>
+            <a:pPr lvl="1">
+              <a:buAutoNum type="arabicPeriod"/>
+            </a:pPr>
+            <a:r>
+              <a:rPr/>
+              <a:t>Прииперечислении имен файлов текущего каталога можно использовать следующие символы:</a:t>
+            </a:r>
+          </a:p>
+          <a:p>
+            <a:pPr lvl="1">
+              <a:buAutoNum type="arabicPeriod"/>
+            </a:pPr>
+            <a:r>
+              <a:rPr/>
+              <a:t>−соответствует произвольной, в том числе и пустой строке;</a:t>
+            </a:r>
+          </a:p>
+          <a:p>
+            <a:pPr lvl="1">
+              <a:buAutoNum type="arabicPeriod"/>
+            </a:pPr>
+            <a:r>
+              <a:rPr/>
+              <a:t>?−соответствует любому одинарному символу;</a:t>
+            </a:r>
+          </a:p>
+          <a:p>
+            <a:pPr lvl="1">
+              <a:buAutoNum type="arabicPeriod"/>
+            </a:pPr>
+            <a:r>
+              <a:rPr/>
+              <a:t>[c1-c2] − соответствует любому символу, лексикографически находящемуся между символами с1 и с2. Например,</a:t>
+            </a:r>
+          </a:p>
+          <a:p>
             <a:pPr lvl="1"/>
             <a:r>
               <a:rPr/>
-              <a:t>Разработка модели.</a:t>
+              <a:t>echo − выведет имена всех файлов текущего каталога, что представляет собой простейший аналог команды ls;</a:t>
             </a:r>
           </a:p>
           <a:p>
             <a:pPr lvl="1"/>
             <a:r>
               <a:rPr/>
-              <a:t>Программная реализация модели.</a:t>
+              <a:t>ls.c−выведет все файлы с последними двумя символами, совпадающими с.c.</a:t>
             </a:r>
           </a:p>
           <a:p>
             <a:pPr lvl="1"/>
             <a:r>
               <a:rPr/>
-              <a:t>Прогонка обучающей выборки.</a:t>
+              <a:t>echoprog.?−выведет все файлы, состоящие из пяти или шести символов, первыми пятью символами которых являются prog..</a:t>
             </a:r>
           </a:p>
           <a:p>
             <a:pPr lvl="1"/>
             <a:r>
               <a:rPr/>
-              <a:t>Проверка на тестовой выборке.</a:t>
-            </a:r>
-          </a:p>
-          <a:p>
-            <a:pPr lvl="1"/>
-            <a:r>
-              <a:rPr/>
-              <a:t>Верификация результата.</a:t>
-            </a:r>
-          </a:p>
-          <a:p>
-            <a:pPr lvl="1"/>
-            <a:r>
-              <a:rPr/>
-              <a:t>Цикл (можно начинать все сначала).</a:t>
-            </a:r>
-          </a:p>
-        </p:txBody>
-      </p:sp>
-    </p:spTree>
-  </p:cSld>
-</p:sld>
-</file>
-
-<file path=ppt/slides/slide15.xml><?xml version="1.0" encoding="utf-8"?>
-<p:sld xmlns:a="http://schemas.openxmlformats.org/drawingml/2006/main" xmlns:r="http://schemas.openxmlformats.org/officeDocument/2006/relationships" xmlns:p="http://schemas.openxmlformats.org/presentationml/2006/main">
-  <p:cSld>
-    <p:spTree>
-      <p:nvGrpSpPr>
-        <p:cNvPr id="1" name=""/>
-        <p:cNvGrpSpPr/>
-        <p:nvPr/>
-      </p:nvGrpSpPr>
-      <p:grpSpPr>
-        <a:xfrm>
-          <a:off x="0" y="0"/>
-          <a:ext cx="0" cy="0"/>
-          <a:chOff x="0" y="0"/>
-          <a:chExt cx="0" cy="0"/>
-        </a:xfrm>
-      </p:grpSpPr>
-      <p:sp>
-        <p:nvSpPr>
-          <p:cNvPr id="2" name="Title 1"/>
-          <p:cNvSpPr>
-            <a:spLocks noGrp="1"/>
-          </p:cNvSpPr>
-          <p:nvPr>
-            <p:ph type="title"/>
-          </p:nvPr>
-        </p:nvSpPr>
-        <p:spPr>
-          <a:xfrm>
-            <a:off x="722313" y="4406900"/>
-            <a:ext cx="7772400" cy="1362075"/>
-          </a:xfrm>
-        </p:spPr>
-        <p:txBody>
-          <a:bodyPr/>
-          <a:lstStyle/>
-          <a:p>
-            <a:pPr lvl="0" marL="0" indent="0">
-              <a:buNone/>
+              <a:t>[a-z]−соответствует произвольному имени файл в текущем каталоге, начинающемуся с любой строчной буквы латинского алфавита.</a:t>
+            </a:r>
+          </a:p>
+          <a:p>
+            <a:pPr lvl="1">
+              <a:buAutoNum type="arabicPeriod"/>
             </a:pPr>
             <a:r>
               <a:rPr/>
-              <a:t>Требования</a:t>
-            </a:r>
-          </a:p>
-        </p:txBody>
-      </p:sp>
-    </p:spTree>
-  </p:cSld>
-</p:sld>
-</file>
-
-<file path=ppt/slides/slide16.xml><?xml version="1.0" encoding="utf-8"?>
-<p:sld xmlns:a="http://schemas.openxmlformats.org/drawingml/2006/main" xmlns:r="http://schemas.openxmlformats.org/officeDocument/2006/relationships" xmlns:p="http://schemas.openxmlformats.org/presentationml/2006/main">
-  <p:cSld>
-    <p:spTree>
-      <p:nvGrpSpPr>
-        <p:cNvPr id="1" name=""/>
-        <p:cNvGrpSpPr/>
-        <p:nvPr/>
-      </p:nvGrpSpPr>
-      <p:grpSpPr>
-        <a:xfrm>
-          <a:off x="0" y="0"/>
-          <a:ext cx="0" cy="0"/>
-          <a:chOff x="0" y="0"/>
-          <a:chExt cx="0" cy="0"/>
-        </a:xfrm>
-      </p:grpSpPr>
-      <p:sp>
-        <p:nvSpPr>
-          <p:cNvPr id="2" name="Title 1"/>
-          <p:cNvSpPr>
-            <a:spLocks noGrp="1"/>
-          </p:cNvSpPr>
-          <p:nvPr>
-            <p:ph type="title"/>
-          </p:nvPr>
-        </p:nvSpPr>
-        <p:spPr/>
-        <p:txBody>
-          <a:bodyPr/>
-          <a:lstStyle/>
-          <a:p>
-            <a:pPr lvl="0" marL="0" indent="0">
-              <a:buNone/>
+              <a:t>Часто бывает необходимо обеспечить проведение каких-либо действий циклически и управление дальнейшими действиями в зависимости от результатов проверки некоторого условия. Для решения подобных задач язык программирования bash предоставляет возможность использовать такие управляющие конструкции, как for, case, if иwhile. С точки зрения командного процессора эти управляющие конструкции являются обычными командами и могут использоваться как при создании командных файлов, так и при работе в интерактивном режиме. Команды,реализующие подобные конструкции, по сути, являются операторами языка программирования bash. Поэтому при описании языка программирования bash термин оператор будет использоваться наравне с терминомкоманда. Команды ОСUNIX возвращают код завершения, значение которого может быть использовано для принятия решения о дальнейших действиях. Команда test, например, создана специально для использования в командных файлах. Единственная функция этой команды заключается в выработке кода завершения.</a:t>
+            </a:r>
+          </a:p>
+          <a:p>
+            <a:pPr lvl="1">
+              <a:buAutoNum type="arabicPeriod"/>
             </a:pPr>
             <a:r>
               <a:rPr/>
-              <a:t>Понимание</a:t>
-            </a:r>
-            <a:r>
-              <a:rPr/>
-              <a:t> </a:t>
-            </a:r>
-            <a:r>
-              <a:rPr/>
-              <a:t>задачи</a:t>
-            </a:r>
-          </a:p>
-        </p:txBody>
-      </p:sp>
-      <p:sp>
-        <p:nvSpPr>
-          <p:cNvPr id="3" name="Content Placeholder 2"/>
-          <p:cNvSpPr>
-            <a:spLocks noGrp="1"/>
-          </p:cNvSpPr>
-          <p:nvPr>
-            <p:ph idx="1"/>
-          </p:nvPr>
-        </p:nvSpPr>
-        <p:spPr/>
-        <p:txBody>
-          <a:bodyPr/>
-          <a:lstStyle/>
-          <a:p>
-            <a:pPr lvl="1"/>
-            <a:r>
-              <a:rPr/>
-              <a:t>Фундамент всей работы.</a:t>
-            </a:r>
-          </a:p>
-          <a:p>
-            <a:pPr lvl="1"/>
-            <a:r>
-              <a:rPr/>
-              <a:t>Необходимо четко определить цель исследования.</a:t>
-            </a:r>
-          </a:p>
-          <a:p>
-            <a:pPr lvl="1"/>
-            <a:r>
-              <a:rPr/>
-              <a:t>Что является проблемой?</a:t>
-            </a:r>
-          </a:p>
-          <a:p>
-            <a:pPr lvl="1"/>
-            <a:r>
-              <a:rPr/>
-              <a:t>По каким метрикам будет оцениваться успешность?</a:t>
-            </a:r>
-          </a:p>
-        </p:txBody>
-      </p:sp>
-    </p:spTree>
-  </p:cSld>
-</p:sld>
-</file>
-
-<file path=ppt/slides/slide17.xml><?xml version="1.0" encoding="utf-8"?>
-<p:sld xmlns:a="http://schemas.openxmlformats.org/drawingml/2006/main" xmlns:r="http://schemas.openxmlformats.org/officeDocument/2006/relationships" xmlns:p="http://schemas.openxmlformats.org/presentationml/2006/main">
-  <p:cSld>
-    <p:spTree>
-      <p:nvGrpSpPr>
-        <p:cNvPr id="1" name=""/>
-        <p:cNvGrpSpPr/>
-        <p:nvPr/>
-      </p:nvGrpSpPr>
-      <p:grpSpPr>
-        <a:xfrm>
-          <a:off x="0" y="0"/>
-          <a:ext cx="0" cy="0"/>
-          <a:chOff x="0" y="0"/>
-          <a:chExt cx="0" cy="0"/>
-        </a:xfrm>
-      </p:grpSpPr>
-      <p:sp>
-        <p:nvSpPr>
-          <p:cNvPr id="2" name="Title 1"/>
-          <p:cNvSpPr>
-            <a:spLocks noGrp="1"/>
-          </p:cNvSpPr>
-          <p:nvPr>
-            <p:ph type="title"/>
-          </p:nvPr>
-        </p:nvSpPr>
-        <p:spPr/>
-        <p:txBody>
-          <a:bodyPr/>
-          <a:lstStyle/>
-          <a:p>
-            <a:pPr lvl="0" marL="0" indent="0">
-              <a:buNone/>
+              <a:t>Два несложных способа позволяют вам прерывать циклы в оболочке bash. Команда break завершает выполнение цикла, а команда continue завершает данную итерациюблока операторов. Команда break полезна для завершения цикл while в ситуациях, когда условие перестае[ т быть правильным. Команда continue используется в ситуациях, когда больше нет необходимости выполнять блок операторов, но вы можете захотеть продолжить проверять данный блок на других условных выражениях.</a:t>
+            </a:r>
+          </a:p>
+          <a:p>
+            <a:pPr lvl="1">
+              <a:buAutoNum type="arabicPeriod"/>
             </a:pPr>
             <a:r>
               <a:rPr/>
-              <a:t>Выбор</a:t>
-            </a:r>
-            <a:r>
-              <a:rPr/>
-              <a:t> </a:t>
-            </a:r>
-            <a:r>
-              <a:rPr/>
-              <a:t>аналитического</a:t>
-            </a:r>
-            <a:r>
-              <a:rPr/>
-              <a:t> </a:t>
-            </a:r>
-            <a:r>
-              <a:rPr/>
-              <a:t>подхода</a:t>
-            </a:r>
-          </a:p>
-        </p:txBody>
-      </p:sp>
-      <p:sp>
-        <p:nvSpPr>
-          <p:cNvPr id="3" name="Content Placeholder 2"/>
-          <p:cNvSpPr>
-            <a:spLocks noGrp="1"/>
-          </p:cNvSpPr>
-          <p:nvPr>
-            <p:ph idx="1"/>
-          </p:nvPr>
-        </p:nvSpPr>
-        <p:spPr/>
-        <p:txBody>
-          <a:bodyPr/>
-          <a:lstStyle/>
-          <a:p>
-            <a:pPr lvl="1"/>
-            <a:r>
-              <a:rPr/>
-              <a:t>Выбор подхода зависит от того, какой тип ответа нужно получить в итоге:</a:t>
-            </a:r>
-          </a:p>
-          <a:p>
-            <a:pPr lvl="2"/>
-            <a:r>
-              <a:rPr/>
-              <a:t>если нужен ответ вида да/нет, подойдёт байесовский классификатор;</a:t>
-            </a:r>
-          </a:p>
-          <a:p>
-            <a:pPr lvl="2"/>
-            <a:r>
-              <a:rPr/>
-              <a:t>если нужен ответ в виде численного признака, то подойдут регрессионные модели;</a:t>
-            </a:r>
-          </a:p>
-          <a:p>
-            <a:pPr lvl="2"/>
-            <a:r>
-              <a:rPr/>
-              <a:t>если нужно определить вероятности определённых исходов, необходимо использовать предиктивную модель;</a:t>
-            </a:r>
-          </a:p>
-          <a:p>
-            <a:pPr lvl="2"/>
-            <a:r>
-              <a:rPr/>
-              <a:t>если нужно выявить связи, используется дескриптивный подход.</a:t>
-            </a:r>
-          </a:p>
-        </p:txBody>
-      </p:sp>
-    </p:spTree>
-  </p:cSld>
-</p:sld>
-</file>
-
-<file path=ppt/slides/slide18.xml><?xml version="1.0" encoding="utf-8"?>
-<p:sld xmlns:a="http://schemas.openxmlformats.org/drawingml/2006/main" xmlns:r="http://schemas.openxmlformats.org/officeDocument/2006/relationships" xmlns:p="http://schemas.openxmlformats.org/presentationml/2006/main">
-  <p:cSld>
-    <p:spTree>
-      <p:nvGrpSpPr>
-        <p:cNvPr id="1" name=""/>
-        <p:cNvGrpSpPr/>
-        <p:nvPr/>
-      </p:nvGrpSpPr>
-      <p:grpSpPr>
-        <a:xfrm>
-          <a:off x="0" y="0"/>
-          <a:ext cx="0" cy="0"/>
-          <a:chOff x="0" y="0"/>
-          <a:chExt cx="0" cy="0"/>
-        </a:xfrm>
-      </p:grpSpPr>
-      <p:sp>
-        <p:nvSpPr>
-          <p:cNvPr id="2" name="Title 1"/>
-          <p:cNvSpPr>
-            <a:spLocks noGrp="1"/>
-          </p:cNvSpPr>
-          <p:nvPr>
-            <p:ph type="title"/>
-          </p:nvPr>
-        </p:nvSpPr>
-        <p:spPr/>
-        <p:txBody>
-          <a:bodyPr/>
-          <a:lstStyle/>
-          <a:p>
-            <a:pPr lvl="0" marL="0" indent="0">
-              <a:buNone/>
+              <a:t>Следующие две команды ОСUNIX используются только совместно с управляющими конструкциями языка программирования bash: это команда true,которая всегда возвращает код завершения, равный нулю (т.е.истина),и команда false,которая всегда возвращает код завершения,неравный нулю(т.е.ложь). Примеры бесконечных циклов:while true do echo hello andy done until false do echo hello mike done.</a:t>
+            </a:r>
+          </a:p>
+          <a:p>
+            <a:pPr lvl="1">
+              <a:buAutoNum type="arabicPeriod"/>
             </a:pPr>
             <a:r>
               <a:rPr/>
-              <a:t>Требования</a:t>
-            </a:r>
-            <a:r>
-              <a:rPr/>
-              <a:t> </a:t>
-            </a:r>
-            <a:r>
-              <a:rPr/>
-              <a:t>к</a:t>
-            </a:r>
-            <a:r>
-              <a:rPr/>
-              <a:t> </a:t>
-            </a:r>
-            <a:r>
-              <a:rPr/>
-              <a:t>данным</a:t>
-            </a:r>
-          </a:p>
-        </p:txBody>
-      </p:sp>
-      <p:sp>
-        <p:nvSpPr>
-          <p:cNvPr id="3" name="Content Placeholder 2"/>
-          <p:cNvSpPr>
-            <a:spLocks noGrp="1"/>
-          </p:cNvSpPr>
-          <p:nvPr>
-            <p:ph idx="1"/>
-          </p:nvPr>
-        </p:nvSpPr>
-        <p:spPr/>
-        <p:txBody>
-          <a:bodyPr/>
-          <a:lstStyle/>
-          <a:p>
-            <a:pPr lvl="1"/>
-            <a:r>
-              <a:rPr/>
-              <a:t>Какие данные позволят дать искомый ответ?</a:t>
-            </a:r>
-          </a:p>
-          <a:p>
-            <a:pPr lvl="1"/>
-            <a:r>
-              <a:rPr/>
-              <a:t>Требования к данным:</a:t>
-            </a:r>
-          </a:p>
-          <a:p>
-            <a:pPr lvl="2"/>
-            <a:r>
-              <a:rPr/>
-              <a:t>контент;</a:t>
-            </a:r>
-          </a:p>
-          <a:p>
-            <a:pPr lvl="2"/>
-            <a:r>
-              <a:rPr/>
-              <a:t>форматы данных;</a:t>
-            </a:r>
-          </a:p>
-          <a:p>
-            <a:pPr lvl="2"/>
-            <a:r>
-              <a:rPr/>
-              <a:t>источники данных.</a:t>
-            </a:r>
-          </a:p>
-        </p:txBody>
-      </p:sp>
-    </p:spTree>
-  </p:cSld>
-</p:sld>
-</file>
-
-<file path=ppt/slides/slide19.xml><?xml version="1.0" encoding="utf-8"?>
-<p:sld xmlns:a="http://schemas.openxmlformats.org/drawingml/2006/main" xmlns:r="http://schemas.openxmlformats.org/officeDocument/2006/relationships" xmlns:p="http://schemas.openxmlformats.org/presentationml/2006/main">
-  <p:cSld>
-    <p:spTree>
-      <p:nvGrpSpPr>
-        <p:cNvPr id="1" name=""/>
-        <p:cNvGrpSpPr/>
-        <p:nvPr/>
-      </p:nvGrpSpPr>
-      <p:grpSpPr>
-        <a:xfrm>
-          <a:off x="0" y="0"/>
-          <a:ext cx="0" cy="0"/>
-          <a:chOff x="0" y="0"/>
-          <a:chExt cx="0" cy="0"/>
-        </a:xfrm>
-      </p:grpSpPr>
-      <p:sp>
-        <p:nvSpPr>
-          <p:cNvPr id="2" name="Title 1"/>
-          <p:cNvSpPr>
-            <a:spLocks noGrp="1"/>
-          </p:cNvSpPr>
-          <p:nvPr>
-            <p:ph type="title"/>
-          </p:nvPr>
-        </p:nvSpPr>
-        <p:spPr>
-          <a:xfrm>
-            <a:off x="722313" y="4406900"/>
-            <a:ext cx="7772400" cy="1362075"/>
-          </a:xfrm>
-        </p:spPr>
-        <p:txBody>
-          <a:bodyPr/>
-          <a:lstStyle/>
-          <a:p>
-            <a:pPr lvl="0" marL="0" indent="0">
-              <a:buNone/>
+              <a:t>Строка if test-fmani.s/s и является ли этот файл обычным файлом.Если данный файл является каталогом,то команда вернет нулевое значение (ложь).</a:t>
+            </a:r>
+          </a:p>
+          <a:p>
+            <a:pPr lvl="1">
+              <a:buAutoNum type="arabicPeriod"/>
             </a:pPr>
             <a:r>
               <a:rPr/>
-              <a:t>Данные</a:t>
+              <a:t>Выполнение оператора цикл while сводится к тому,что сначал выполняется последовательность команд(операторов),которую задае[ т список-команд в строке,содержащей служебное слово while,а затем,если последняя выполненная команда из этой последовательности команд возвращает нулевой код завершения(истина),выполняется последовательность команд(операторов),которую задае[ т список-команд в строке,содержащей служебноеслово do,после чего осуществляется безусловный переход на начало оператора цикл while.Выход из цикл будет осуществле[ н тогда,когда последняя выполненная команда из последовательности команд (операторов),которую задае[ т список-команд в строке,содержащей служебное слово while, возвратит ненулевой код завершения(ложь). При замене в операторе цикл while служебного слова while на until условие,при выполнении которого осуществляется выход из цикла,меняется на противоположное. В остальном оператор цикл while и оператор цикл until идентичны.</a:t>
             </a:r>
           </a:p>
         </p:txBody>
@@ -4317,12 +3790,7 @@
             <p:ph type="title"/>
           </p:nvPr>
         </p:nvSpPr>
-        <p:spPr>
-          <a:xfrm>
-            <a:off x="722313" y="4406900"/>
-            <a:ext cx="7772400" cy="1362075"/>
-          </a:xfrm>
-        </p:spPr>
+        <p:spPr/>
         <p:txBody>
           <a:bodyPr/>
           <a:lstStyle/>
@@ -4332,41 +3800,27 @@
             </a:pPr>
             <a:r>
               <a:rPr/>
-              <a:t>Технологии</a:t>
-            </a:r>
-          </a:p>
-        </p:txBody>
-      </p:sp>
-    </p:spTree>
-  </p:cSld>
-</p:sld>
-</file>
-
-<file path=ppt/slides/slide20.xml><?xml version="1.0" encoding="utf-8"?>
-<p:sld xmlns:a="http://schemas.openxmlformats.org/drawingml/2006/main" xmlns:r="http://schemas.openxmlformats.org/officeDocument/2006/relationships" xmlns:p="http://schemas.openxmlformats.org/presentationml/2006/main">
-  <p:cSld>
-    <p:spTree>
-      <p:nvGrpSpPr>
-        <p:cNvPr id="1" name=""/>
-        <p:cNvGrpSpPr/>
-        <p:nvPr/>
-      </p:nvGrpSpPr>
-      <p:grpSpPr>
-        <a:xfrm>
-          <a:off x="0" y="0"/>
-          <a:ext cx="0" cy="0"/>
-          <a:chOff x="0" y="0"/>
-          <a:chExt cx="0" cy="0"/>
-        </a:xfrm>
-      </p:grpSpPr>
-      <p:sp>
-        <p:nvSpPr>
-          <p:cNvPr id="2" name="Title 1"/>
-          <p:cNvSpPr>
-            <a:spLocks noGrp="1"/>
-          </p:cNvSpPr>
-          <p:nvPr>
-            <p:ph type="title"/>
+              <a:t>Цель</a:t>
+            </a:r>
+            <a:r>
+              <a:rPr/>
+              <a:t> </a:t>
+            </a:r>
+            <a:r>
+              <a:rPr/>
+              <a:t>работы</a:t>
+            </a:r>
+          </a:p>
+        </p:txBody>
+      </p:sp>
+      <p:sp>
+        <p:nvSpPr>
+          <p:cNvPr id="3" name="Content Placeholder 2"/>
+          <p:cNvSpPr>
+            <a:spLocks noGrp="1"/>
+          </p:cNvSpPr>
+          <p:nvPr>
+            <p:ph idx="1"/>
           </p:nvPr>
         </p:nvSpPr>
         <p:spPr/>
@@ -4379,905 +3833,7 @@
             </a:pPr>
             <a:r>
               <a:rPr/>
-              <a:t>Сбор</a:t>
-            </a:r>
-            <a:r>
-              <a:rPr/>
-              <a:t> </a:t>
-            </a:r>
-            <a:r>
-              <a:rPr/>
-              <a:t>данных</a:t>
-            </a:r>
-          </a:p>
-        </p:txBody>
-      </p:sp>
-      <p:sp>
-        <p:nvSpPr>
-          <p:cNvPr id="3" name="Content Placeholder 2"/>
-          <p:cNvSpPr>
-            <a:spLocks noGrp="1"/>
-          </p:cNvSpPr>
-          <p:nvPr>
-            <p:ph idx="1"/>
-          </p:nvPr>
-        </p:nvSpPr>
-        <p:spPr/>
-        <p:txBody>
-          <a:bodyPr/>
-          <a:lstStyle/>
-          <a:p>
-            <a:pPr lvl="1"/>
-            <a:r>
-              <a:rPr/>
-              <a:t>Мы выполняем сбор данных из имеющихся источников.</a:t>
-            </a:r>
-          </a:p>
-          <a:p>
-            <a:pPr lvl="1"/>
-            <a:r>
-              <a:rPr/>
-              <a:t>Убеждаемся, что источники:</a:t>
-            </a:r>
-          </a:p>
-          <a:p>
-            <a:pPr lvl="2"/>
-            <a:r>
-              <a:rPr/>
-              <a:t>доступны;</a:t>
-            </a:r>
-          </a:p>
-          <a:p>
-            <a:pPr lvl="2"/>
-            <a:r>
-              <a:rPr/>
-              <a:t>надёжны;</a:t>
-            </a:r>
-          </a:p>
-          <a:p>
-            <a:pPr lvl="2"/>
-            <a:r>
-              <a:rPr/>
-              <a:t>могут быть использованы для получения искомых данных в требуемом качестве.</a:t>
-            </a:r>
-          </a:p>
-          <a:p>
-            <a:pPr lvl="1"/>
-            <a:r>
-              <a:rPr/>
-              <a:t>Необходимо понять, получили ли мы те данные, какие хотели.</a:t>
-            </a:r>
-          </a:p>
-          <a:p>
-            <a:pPr lvl="1"/>
-            <a:r>
-              <a:rPr/>
-              <a:t>Пересмотр требований к данным.</a:t>
-            </a:r>
-          </a:p>
-          <a:p>
-            <a:pPr lvl="1"/>
-            <a:r>
-              <a:rPr/>
-              <a:t>Принятие решения о необходимости дополнительных данных.</a:t>
-            </a:r>
-          </a:p>
-          <a:p>
-            <a:pPr lvl="1"/>
-            <a:r>
-              <a:rPr/>
-              <a:t>Нахождение замены недостающим данным.</a:t>
-            </a:r>
-          </a:p>
-        </p:txBody>
-      </p:sp>
-    </p:spTree>
-  </p:cSld>
-</p:sld>
-</file>
-
-<file path=ppt/slides/slide21.xml><?xml version="1.0" encoding="utf-8"?>
-<p:sld xmlns:a="http://schemas.openxmlformats.org/drawingml/2006/main" xmlns:r="http://schemas.openxmlformats.org/officeDocument/2006/relationships" xmlns:p="http://schemas.openxmlformats.org/presentationml/2006/main">
-  <p:cSld>
-    <p:spTree>
-      <p:nvGrpSpPr>
-        <p:cNvPr id="1" name=""/>
-        <p:cNvGrpSpPr/>
-        <p:nvPr/>
-      </p:nvGrpSpPr>
-      <p:grpSpPr>
-        <a:xfrm>
-          <a:off x="0" y="0"/>
-          <a:ext cx="0" cy="0"/>
-          <a:chOff x="0" y="0"/>
-          <a:chExt cx="0" cy="0"/>
-        </a:xfrm>
-      </p:grpSpPr>
-      <p:sp>
-        <p:nvSpPr>
-          <p:cNvPr id="2" name="Title 1"/>
-          <p:cNvSpPr>
-            <a:spLocks noGrp="1"/>
-          </p:cNvSpPr>
-          <p:nvPr>
-            <p:ph type="title"/>
-          </p:nvPr>
-        </p:nvSpPr>
-        <p:spPr/>
-        <p:txBody>
-          <a:bodyPr/>
-          <a:lstStyle/>
-          <a:p>
-            <a:pPr lvl="0" marL="0" indent="0">
-              <a:buNone/>
-            </a:pPr>
-            <a:r>
-              <a:rPr/>
-              <a:t>Анализ</a:t>
-            </a:r>
-            <a:r>
-              <a:rPr/>
-              <a:t> </a:t>
-            </a:r>
-            <a:r>
-              <a:rPr/>
-              <a:t>данных</a:t>
-            </a:r>
-          </a:p>
-        </p:txBody>
-      </p:sp>
-      <p:sp>
-        <p:nvSpPr>
-          <p:cNvPr id="3" name="Content Placeholder 2"/>
-          <p:cNvSpPr>
-            <a:spLocks noGrp="1"/>
-          </p:cNvSpPr>
-          <p:nvPr>
-            <p:ph idx="1"/>
-          </p:nvPr>
-        </p:nvSpPr>
-        <p:spPr/>
-        <p:txBody>
-          <a:bodyPr/>
-          <a:lstStyle/>
-          <a:p>
-            <a:pPr lvl="1"/>
-            <a:r>
-              <a:rPr/>
-              <a:t>Репрезентативны ли собранные данные относительно поставленной задачи?</a:t>
-            </a:r>
-          </a:p>
-          <a:p>
-            <a:pPr lvl="1"/>
-            <a:r>
-              <a:rPr/>
-              <a:t>Описательная статистика применяется ко всем переменным, которые будут использоваться в выбранной модели:</a:t>
-            </a:r>
-          </a:p>
-          <a:p>
-            <a:pPr lvl="2"/>
-            <a:r>
-              <a:rPr/>
-              <a:t>исследуется центральное положение (среднее, медиана, мода);</a:t>
-            </a:r>
-          </a:p>
-          <a:p>
-            <a:pPr lvl="2"/>
-            <a:r>
-              <a:rPr/>
-              <a:t>ищутся выбросы и выполняется оценка вариабельности (дисперсия, стандартное отклонение);</a:t>
-            </a:r>
-          </a:p>
-          <a:p>
-            <a:pPr lvl="2"/>
-            <a:r>
-              <a:rPr/>
-              <a:t>строятся гистограммы распределения переменных;</a:t>
-            </a:r>
-          </a:p>
-          <a:p>
-            <a:pPr lvl="2"/>
-            <a:r>
-              <a:rPr/>
-              <a:t>применяются другие инструменты визуализации (например, ящики с усами).</a:t>
-            </a:r>
-          </a:p>
-        </p:txBody>
-      </p:sp>
-    </p:spTree>
-  </p:cSld>
-</p:sld>
-</file>
-
-<file path=ppt/slides/slide22.xml><?xml version="1.0" encoding="utf-8"?>
-<p:sld xmlns:a="http://schemas.openxmlformats.org/drawingml/2006/main" xmlns:r="http://schemas.openxmlformats.org/officeDocument/2006/relationships" xmlns:p="http://schemas.openxmlformats.org/presentationml/2006/main">
-  <p:cSld>
-    <p:spTree>
-      <p:nvGrpSpPr>
-        <p:cNvPr id="1" name=""/>
-        <p:cNvGrpSpPr/>
-        <p:nvPr/>
-      </p:nvGrpSpPr>
-      <p:grpSpPr>
-        <a:xfrm>
-          <a:off x="0" y="0"/>
-          <a:ext cx="0" cy="0"/>
-          <a:chOff x="0" y="0"/>
-          <a:chExt cx="0" cy="0"/>
-        </a:xfrm>
-      </p:grpSpPr>
-      <p:sp>
-        <p:nvSpPr>
-          <p:cNvPr id="2" name="Title 1"/>
-          <p:cNvSpPr>
-            <a:spLocks noGrp="1"/>
-          </p:cNvSpPr>
-          <p:nvPr>
-            <p:ph type="title"/>
-          </p:nvPr>
-        </p:nvSpPr>
-        <p:spPr/>
-        <p:txBody>
-          <a:bodyPr/>
-          <a:lstStyle/>
-          <a:p>
-            <a:pPr lvl="0" marL="0" indent="0">
-              <a:buNone/>
-            </a:pPr>
-            <a:r>
-              <a:rPr/>
-              <a:t>Анализ</a:t>
-            </a:r>
-            <a:r>
-              <a:rPr/>
-              <a:t> </a:t>
-            </a:r>
-            <a:r>
-              <a:rPr/>
-              <a:t>данных</a:t>
-            </a:r>
-          </a:p>
-        </p:txBody>
-      </p:sp>
-      <p:sp>
-        <p:nvSpPr>
-          <p:cNvPr id="3" name="Content Placeholder 2"/>
-          <p:cNvSpPr>
-            <a:spLocks noGrp="1"/>
-          </p:cNvSpPr>
-          <p:nvPr>
-            <p:ph idx="1"/>
-          </p:nvPr>
-        </p:nvSpPr>
-        <p:spPr/>
-        <p:txBody>
-          <a:bodyPr/>
-          <a:lstStyle/>
-          <a:p>
-            <a:pPr lvl="1"/>
-            <a:r>
-              <a:rPr/>
-              <a:t>Вычисляются корреляции между переменными.</a:t>
-            </a:r>
-          </a:p>
-          <a:p>
-            <a:pPr lvl="1"/>
-            <a:r>
-              <a:rPr/>
-              <a:t>Если найдутся значительные корреляции между переменными, некоторые переменные могут быть отброшены, как избыточные.</a:t>
-            </a:r>
-          </a:p>
-        </p:txBody>
-      </p:sp>
-    </p:spTree>
-  </p:cSld>
-</p:sld>
-</file>
-
-<file path=ppt/slides/slide23.xml><?xml version="1.0" encoding="utf-8"?>
-<p:sld xmlns:a="http://schemas.openxmlformats.org/drawingml/2006/main" xmlns:r="http://schemas.openxmlformats.org/officeDocument/2006/relationships" xmlns:p="http://schemas.openxmlformats.org/presentationml/2006/main">
-  <p:cSld>
-    <p:spTree>
-      <p:nvGrpSpPr>
-        <p:cNvPr id="1" name=""/>
-        <p:cNvGrpSpPr/>
-        <p:nvPr/>
-      </p:nvGrpSpPr>
-      <p:grpSpPr>
-        <a:xfrm>
-          <a:off x="0" y="0"/>
-          <a:ext cx="0" cy="0"/>
-          <a:chOff x="0" y="0"/>
-          <a:chExt cx="0" cy="0"/>
-        </a:xfrm>
-      </p:grpSpPr>
-      <p:sp>
-        <p:nvSpPr>
-          <p:cNvPr id="2" name="Title 1"/>
-          <p:cNvSpPr>
-            <a:spLocks noGrp="1"/>
-          </p:cNvSpPr>
-          <p:nvPr>
-            <p:ph type="title"/>
-          </p:nvPr>
-        </p:nvSpPr>
-        <p:spPr/>
-        <p:txBody>
-          <a:bodyPr/>
-          <a:lstStyle/>
-          <a:p>
-            <a:pPr lvl="0" marL="0" indent="0">
-              <a:buNone/>
-            </a:pPr>
-            <a:r>
-              <a:rPr/>
-              <a:t>Подготовка</a:t>
-            </a:r>
-            <a:r>
-              <a:rPr/>
-              <a:t> </a:t>
-            </a:r>
-            <a:r>
-              <a:rPr/>
-              <a:t>данных</a:t>
-            </a:r>
-          </a:p>
-        </p:txBody>
-      </p:sp>
-      <p:sp>
-        <p:nvSpPr>
-          <p:cNvPr id="3" name="Content Placeholder 2"/>
-          <p:cNvSpPr>
-            <a:spLocks noGrp="1"/>
-          </p:cNvSpPr>
-          <p:nvPr>
-            <p:ph idx="1"/>
-          </p:nvPr>
-        </p:nvSpPr>
-        <p:spPr/>
-        <p:txBody>
-          <a:bodyPr/>
-          <a:lstStyle/>
-          <a:p>
-            <a:pPr lvl="0" marL="0" indent="0">
-              <a:buNone/>
-            </a:pPr>
-            <a:r>
-              <a:rPr/>
-              <a:t>Сбор и анализ данных + подготовка данных = 70%–90% времени проекта.</a:t>
-            </a:r>
-          </a:p>
-        </p:txBody>
-      </p:sp>
-    </p:spTree>
-  </p:cSld>
-</p:sld>
-</file>
-
-<file path=ppt/slides/slide24.xml><?xml version="1.0" encoding="utf-8"?>
-<p:sld xmlns:a="http://schemas.openxmlformats.org/drawingml/2006/main" xmlns:r="http://schemas.openxmlformats.org/officeDocument/2006/relationships" xmlns:p="http://schemas.openxmlformats.org/presentationml/2006/main">
-  <p:cSld>
-    <p:spTree>
-      <p:nvGrpSpPr>
-        <p:cNvPr id="1" name=""/>
-        <p:cNvGrpSpPr/>
-        <p:nvPr/>
-      </p:nvGrpSpPr>
-      <p:grpSpPr>
-        <a:xfrm>
-          <a:off x="0" y="0"/>
-          <a:ext cx="0" cy="0"/>
-          <a:chOff x="0" y="0"/>
-          <a:chExt cx="0" cy="0"/>
-        </a:xfrm>
-      </p:grpSpPr>
-      <p:sp>
-        <p:nvSpPr>
-          <p:cNvPr id="2" name="Title 1"/>
-          <p:cNvSpPr>
-            <a:spLocks noGrp="1"/>
-          </p:cNvSpPr>
-          <p:nvPr>
-            <p:ph type="title"/>
-          </p:nvPr>
-        </p:nvSpPr>
-        <p:spPr/>
-        <p:txBody>
-          <a:bodyPr/>
-          <a:lstStyle/>
-          <a:p>
-            <a:pPr lvl="0" marL="0" indent="0">
-              <a:buNone/>
-            </a:pPr>
-            <a:r>
-              <a:rPr/>
-              <a:t>Подготовка</a:t>
-            </a:r>
-            <a:r>
-              <a:rPr/>
-              <a:t> </a:t>
-            </a:r>
-            <a:r>
-              <a:rPr/>
-              <a:t>данных</a:t>
-            </a:r>
-          </a:p>
-        </p:txBody>
-      </p:sp>
-      <p:sp>
-        <p:nvSpPr>
-          <p:cNvPr id="3" name="Content Placeholder 2"/>
-          <p:cNvSpPr>
-            <a:spLocks noGrp="1"/>
-          </p:cNvSpPr>
-          <p:nvPr>
-            <p:ph idx="1"/>
-          </p:nvPr>
-        </p:nvSpPr>
-        <p:spPr/>
-        <p:txBody>
-          <a:bodyPr/>
-          <a:lstStyle/>
-          <a:p>
-            <a:pPr lvl="1"/>
-            <a:r>
-              <a:rPr/>
-              <a:t>Мы перерабатываем данные в такую форму, чтобы с ними было удобно работать:</a:t>
-            </a:r>
-          </a:p>
-          <a:p>
-            <a:pPr lvl="2"/>
-            <a:r>
-              <a:rPr/>
-              <a:t>удаляем дубликаты;</a:t>
-            </a:r>
-          </a:p>
-          <a:p>
-            <a:pPr lvl="2"/>
-            <a:r>
-              <a:rPr/>
-              <a:t>обрабатываем отсутствующие или неверные данные;</a:t>
-            </a:r>
-          </a:p>
-          <a:p>
-            <a:pPr lvl="2"/>
-            <a:r>
-              <a:rPr/>
-              <a:t>проверяем и исправляем ошибки форматирования.</a:t>
-            </a:r>
-          </a:p>
-          <a:p>
-            <a:pPr lvl="1"/>
-            <a:r>
-              <a:rPr/>
-              <a:t>Мы конструируем набор факторов, с которым на следующих этапах будет работать машинное обучение:</a:t>
-            </a:r>
-          </a:p>
-          <a:p>
-            <a:pPr lvl="2"/>
-            <a:r>
-              <a:rPr/>
-              <a:t>извлечение признаков;</a:t>
-            </a:r>
-          </a:p>
-          <a:p>
-            <a:pPr lvl="2"/>
-            <a:r>
-              <a:rPr/>
-              <a:t>отбор признаков.</a:t>
-            </a:r>
-          </a:p>
-          <a:p>
-            <a:pPr lvl="1"/>
-            <a:r>
-              <a:rPr/>
-              <a:t>Ошибки на этом этапе могут оказаться критическими.</a:t>
-            </a:r>
-          </a:p>
-          <a:p>
-            <a:pPr lvl="2"/>
-            <a:r>
-              <a:rPr/>
-              <a:t>Избыточное количество признаков = модель переобучена.</a:t>
-            </a:r>
-          </a:p>
-          <a:p>
-            <a:pPr lvl="2"/>
-            <a:r>
-              <a:rPr/>
-              <a:t>Недостаточное количество признаков = модель недообучена.</a:t>
-            </a:r>
-          </a:p>
-        </p:txBody>
-      </p:sp>
-    </p:spTree>
-  </p:cSld>
-</p:sld>
-</file>
-
-<file path=ppt/slides/slide25.xml><?xml version="1.0" encoding="utf-8"?>
-<p:sld xmlns:a="http://schemas.openxmlformats.org/drawingml/2006/main" xmlns:r="http://schemas.openxmlformats.org/officeDocument/2006/relationships" xmlns:p="http://schemas.openxmlformats.org/presentationml/2006/main">
-  <p:cSld>
-    <p:spTree>
-      <p:nvGrpSpPr>
-        <p:cNvPr id="1" name=""/>
-        <p:cNvGrpSpPr/>
-        <p:nvPr/>
-      </p:nvGrpSpPr>
-      <p:grpSpPr>
-        <a:xfrm>
-          <a:off x="0" y="0"/>
-          <a:ext cx="0" cy="0"/>
-          <a:chOff x="0" y="0"/>
-          <a:chExt cx="0" cy="0"/>
-        </a:xfrm>
-      </p:grpSpPr>
-      <p:sp>
-        <p:nvSpPr>
-          <p:cNvPr id="2" name="Title 1"/>
-          <p:cNvSpPr>
-            <a:spLocks noGrp="1"/>
-          </p:cNvSpPr>
-          <p:nvPr>
-            <p:ph type="title"/>
-          </p:nvPr>
-        </p:nvSpPr>
-        <p:spPr>
-          <a:xfrm>
-            <a:off x="722313" y="4406900"/>
-            <a:ext cx="7772400" cy="1362075"/>
-          </a:xfrm>
-        </p:spPr>
-        <p:txBody>
-          <a:bodyPr/>
-          <a:lstStyle/>
-          <a:p>
-            <a:pPr lvl="0" marL="0" indent="0">
-              <a:buNone/>
-            </a:pPr>
-            <a:r>
-              <a:rPr/>
-              <a:t>Разработка</a:t>
-            </a:r>
-            <a:r>
-              <a:rPr/>
-              <a:t> </a:t>
-            </a:r>
-            <a:r>
-              <a:rPr/>
-              <a:t>и</a:t>
-            </a:r>
-            <a:r>
-              <a:rPr/>
-              <a:t> </a:t>
-            </a:r>
-            <a:r>
-              <a:rPr/>
-              <a:t>внедрение</a:t>
-            </a:r>
-          </a:p>
-        </p:txBody>
-      </p:sp>
-    </p:spTree>
-  </p:cSld>
-</p:sld>
-</file>
-
-<file path=ppt/slides/slide26.xml><?xml version="1.0" encoding="utf-8"?>
-<p:sld xmlns:a="http://schemas.openxmlformats.org/drawingml/2006/main" xmlns:r="http://schemas.openxmlformats.org/officeDocument/2006/relationships" xmlns:p="http://schemas.openxmlformats.org/presentationml/2006/main">
-  <p:cSld>
-    <p:spTree>
-      <p:nvGrpSpPr>
-        <p:cNvPr id="1" name=""/>
-        <p:cNvGrpSpPr/>
-        <p:nvPr/>
-      </p:nvGrpSpPr>
-      <p:grpSpPr>
-        <a:xfrm>
-          <a:off x="0" y="0"/>
-          <a:ext cx="0" cy="0"/>
-          <a:chOff x="0" y="0"/>
-          <a:chExt cx="0" cy="0"/>
-        </a:xfrm>
-      </p:grpSpPr>
-      <p:sp>
-        <p:nvSpPr>
-          <p:cNvPr id="2" name="Title 1"/>
-          <p:cNvSpPr>
-            <a:spLocks noGrp="1"/>
-          </p:cNvSpPr>
-          <p:nvPr>
-            <p:ph type="title"/>
-          </p:nvPr>
-        </p:nvSpPr>
-        <p:spPr/>
-        <p:txBody>
-          <a:bodyPr/>
-          <a:lstStyle/>
-          <a:p>
-            <a:pPr lvl="0" marL="0" indent="0">
-              <a:buNone/>
-            </a:pPr>
-            <a:r>
-              <a:rPr/>
-              <a:t>Построение</a:t>
-            </a:r>
-            <a:r>
-              <a:rPr/>
-              <a:t> </a:t>
-            </a:r>
-            <a:r>
-              <a:rPr/>
-              <a:t>модели</a:t>
-            </a:r>
-          </a:p>
-        </p:txBody>
-      </p:sp>
-      <p:sp>
-        <p:nvSpPr>
-          <p:cNvPr id="3" name="Content Placeholder 2"/>
-          <p:cNvSpPr>
-            <a:spLocks noGrp="1"/>
-          </p:cNvSpPr>
-          <p:nvPr>
-            <p:ph idx="1"/>
-          </p:nvPr>
-        </p:nvSpPr>
-        <p:spPr/>
-        <p:txBody>
-          <a:bodyPr/>
-          <a:lstStyle/>
-          <a:p>
-            <a:pPr lvl="0" marL="0" indent="0">
-              <a:buNone/>
-            </a:pPr>
-            <a:r>
-              <a:rPr/>
-              <a:t>Когда тип модели определён и имеется обучающая выборка, мы разрабатываем модель и проверяем её на наборе признаков.</a:t>
-            </a:r>
-          </a:p>
-        </p:txBody>
-      </p:sp>
-    </p:spTree>
-  </p:cSld>
-</p:sld>
-</file>
-
-<file path=ppt/slides/slide27.xml><?xml version="1.0" encoding="utf-8"?>
-<p:sld xmlns:a="http://schemas.openxmlformats.org/drawingml/2006/main" xmlns:r="http://schemas.openxmlformats.org/officeDocument/2006/relationships" xmlns:p="http://schemas.openxmlformats.org/presentationml/2006/main">
-  <p:cSld>
-    <p:spTree>
-      <p:nvGrpSpPr>
-        <p:cNvPr id="1" name=""/>
-        <p:cNvGrpSpPr/>
-        <p:nvPr/>
-      </p:nvGrpSpPr>
-      <p:grpSpPr>
-        <a:xfrm>
-          <a:off x="0" y="0"/>
-          <a:ext cx="0" cy="0"/>
-          <a:chOff x="0" y="0"/>
-          <a:chExt cx="0" cy="0"/>
-        </a:xfrm>
-      </p:grpSpPr>
-      <p:sp>
-        <p:nvSpPr>
-          <p:cNvPr id="2" name="Title 1"/>
-          <p:cNvSpPr>
-            <a:spLocks noGrp="1"/>
-          </p:cNvSpPr>
-          <p:nvPr>
-            <p:ph type="title"/>
-          </p:nvPr>
-        </p:nvSpPr>
-        <p:spPr/>
-        <p:txBody>
-          <a:bodyPr/>
-          <a:lstStyle/>
-          <a:p>
-            <a:pPr lvl="0" marL="0" indent="0">
-              <a:buNone/>
-            </a:pPr>
-            <a:r>
-              <a:rPr/>
-              <a:t>Применение</a:t>
-            </a:r>
-            <a:r>
-              <a:rPr/>
-              <a:t> </a:t>
-            </a:r>
-            <a:r>
-              <a:rPr/>
-              <a:t>модели</a:t>
-            </a:r>
-          </a:p>
-        </p:txBody>
-      </p:sp>
-      <p:sp>
-        <p:nvSpPr>
-          <p:cNvPr id="3" name="Content Placeholder 2"/>
-          <p:cNvSpPr>
-            <a:spLocks noGrp="1"/>
-          </p:cNvSpPr>
-          <p:nvPr>
-            <p:ph idx="1"/>
-          </p:nvPr>
-        </p:nvSpPr>
-        <p:spPr/>
-        <p:txBody>
-          <a:bodyPr/>
-          <a:lstStyle/>
-          <a:p>
-            <a:pPr lvl="1"/>
-            <a:r>
-              <a:rPr/>
-              <a:t>Вычисления чередуются с настройкой модели.</a:t>
-            </a:r>
-          </a:p>
-          <a:p>
-            <a:pPr lvl="1"/>
-            <a:r>
-              <a:rPr/>
-              <a:t>Отвечает ли построенная модель исходной задаче?</a:t>
-            </a:r>
-          </a:p>
-          <a:p>
-            <a:pPr lvl="1"/>
-            <a:r>
-              <a:rPr/>
-              <a:t>Вычисление модели имеет две фазы:</a:t>
-            </a:r>
-          </a:p>
-          <a:p>
-            <a:pPr lvl="2"/>
-            <a:r>
-              <a:rPr/>
-              <a:t>проводятся диагностические измерения, которые помогают понять, работает ли модель, так как задумано;</a:t>
-            </a:r>
-          </a:p>
-          <a:p>
-            <a:pPr lvl="2"/>
-            <a:r>
-              <a:rPr/>
-              <a:t>проводится проверка статистической значимости гипотезы. Она необходима, чтобы убедиться, что данные в модели правильно используются и интерпретируются и полученный результат выходит за пределы статистической погрешности.</a:t>
-            </a:r>
-          </a:p>
-        </p:txBody>
-      </p:sp>
-    </p:spTree>
-  </p:cSld>
-</p:sld>
-</file>
-
-<file path=ppt/slides/slide28.xml><?xml version="1.0" encoding="utf-8"?>
-<p:sld xmlns:a="http://schemas.openxmlformats.org/drawingml/2006/main" xmlns:r="http://schemas.openxmlformats.org/officeDocument/2006/relationships" xmlns:p="http://schemas.openxmlformats.org/presentationml/2006/main">
-  <p:cSld>
-    <p:spTree>
-      <p:nvGrpSpPr>
-        <p:cNvPr id="1" name=""/>
-        <p:cNvGrpSpPr/>
-        <p:nvPr/>
-      </p:nvGrpSpPr>
-      <p:grpSpPr>
-        <a:xfrm>
-          <a:off x="0" y="0"/>
-          <a:ext cx="0" cy="0"/>
-          <a:chOff x="0" y="0"/>
-          <a:chExt cx="0" cy="0"/>
-        </a:xfrm>
-      </p:grpSpPr>
-      <p:sp>
-        <p:nvSpPr>
-          <p:cNvPr id="2" name="Title 1"/>
-          <p:cNvSpPr>
-            <a:spLocks noGrp="1"/>
-          </p:cNvSpPr>
-          <p:nvPr>
-            <p:ph type="title"/>
-          </p:nvPr>
-        </p:nvSpPr>
-        <p:spPr/>
-        <p:txBody>
-          <a:bodyPr/>
-          <a:lstStyle/>
-          <a:p>
-            <a:pPr lvl="0" marL="0" indent="0">
-              <a:buNone/>
-            </a:pPr>
-            <a:r>
-              <a:rPr/>
-              <a:t>Внедрение</a:t>
-            </a:r>
-          </a:p>
-        </p:txBody>
-      </p:sp>
-      <p:sp>
-        <p:nvSpPr>
-          <p:cNvPr id="3" name="Content Placeholder 2"/>
-          <p:cNvSpPr>
-            <a:spLocks noGrp="1"/>
-          </p:cNvSpPr>
-          <p:nvPr>
-            <p:ph idx="1"/>
-          </p:nvPr>
-        </p:nvSpPr>
-        <p:spPr/>
-        <p:txBody>
-          <a:bodyPr/>
-          <a:lstStyle/>
-          <a:p>
-            <a:pPr lvl="1"/>
-            <a:r>
-              <a:rPr/>
-              <a:t>Внедрение проводится поэтапно:</a:t>
-            </a:r>
-          </a:p>
-          <a:p>
-            <a:pPr lvl="2"/>
-            <a:r>
-              <a:rPr/>
-              <a:t>ограниченная группа пользователей;</a:t>
-            </a:r>
-          </a:p>
-          <a:p>
-            <a:pPr lvl="2"/>
-            <a:r>
-              <a:rPr/>
-              <a:t>тестовое окружение.</a:t>
-            </a:r>
-          </a:p>
-          <a:p>
-            <a:pPr lvl="1"/>
-            <a:r>
-              <a:rPr/>
-              <a:t>Система обратной связи.</a:t>
-            </a:r>
-          </a:p>
-        </p:txBody>
-      </p:sp>
-    </p:spTree>
-  </p:cSld>
-</p:sld>
-</file>
-
-<file path=ppt/slides/slide29.xml><?xml version="1.0" encoding="utf-8"?>
-<p:sld xmlns:a="http://schemas.openxmlformats.org/drawingml/2006/main" xmlns:r="http://schemas.openxmlformats.org/officeDocument/2006/relationships" xmlns:p="http://schemas.openxmlformats.org/presentationml/2006/main">
-  <p:cSld>
-    <p:spTree>
-      <p:nvGrpSpPr>
-        <p:cNvPr id="1" name=""/>
-        <p:cNvGrpSpPr/>
-        <p:nvPr/>
-      </p:nvGrpSpPr>
-      <p:grpSpPr>
-        <a:xfrm>
-          <a:off x="0" y="0"/>
-          <a:ext cx="0" cy="0"/>
-          <a:chOff x="0" y="0"/>
-          <a:chExt cx="0" cy="0"/>
-        </a:xfrm>
-      </p:grpSpPr>
-      <p:sp>
-        <p:nvSpPr>
-          <p:cNvPr id="3" name="Content Placeholder 2"/>
-          <p:cNvSpPr>
-            <a:spLocks noGrp="1"/>
-          </p:cNvSpPr>
-          <p:nvPr>
-            <p:ph idx="1"/>
-          </p:nvPr>
-        </p:nvSpPr>
-        <p:spPr/>
-        <p:txBody>
-          <a:bodyPr/>
-          <a:lstStyle/>
-          <a:p>
-            <a:pPr lvl="0" marL="0" indent="0">
-              <a:buNone/>
-            </a:pPr>
-            <a:r>
-              <a:rPr/>
-              <a:t>Wer’s nicht glaubt, bezahlt einen Taler</a:t>
+              <a:t>Изучить основы программирования в оболочке ОС UNIX. Научится писать более сложные командные файлы с использованием логических управляющих конструкций циклов.</a:t>
             </a:r>
           </a:p>
         </p:txBody>
@@ -5324,7 +3880,7 @@
             </a:pPr>
             <a:r>
               <a:rPr/>
-              <a:t>Проблемы</a:t>
+              <a:t>Выполнение</a:t>
             </a:r>
             <a:r>
               <a:rPr/>
@@ -5332,7 +3888,7 @@
             </a:r>
             <a:r>
               <a:rPr/>
-              <a:t>машинного</a:t>
+              <a:t>лабораторной</a:t>
             </a:r>
             <a:r>
               <a:rPr/>
@@ -5340,7 +3896,7 @@
             </a:r>
             <a:r>
               <a:rPr/>
-              <a:t>обучения</a:t>
+              <a:t>работы</a:t>
             </a:r>
           </a:p>
         </p:txBody>
@@ -5360,31 +3916,47 @@
           <a:bodyPr/>
           <a:lstStyle/>
           <a:p>
+            <a:pPr lvl="2">
+              <a:buAutoNum type="arabicParenR"/>
+            </a:pPr>
+            <a:r>
+              <a:rPr/>
+              <a:t>Используя команды getopts grep, написал командный файл, который анализирует командную строку с ключами:</a:t>
+            </a:r>
+          </a:p>
+          <a:p>
             <a:pPr lvl="1"/>
             <a:r>
               <a:rPr/>
-              <a:t>Технологии машинного обучения и нейросетей переоценены.</a:t>
+              <a:t>-iinputfile — прочитать данные из указанного файла;</a:t>
             </a:r>
           </a:p>
           <a:p>
             <a:pPr lvl="1"/>
             <a:r>
               <a:rPr/>
-              <a:t>Методы машинного обучения уничтожают культуру аналитического мышления.</a:t>
+              <a:t>-ooutputfile — вывести данные в указанный файл;</a:t>
             </a:r>
           </a:p>
           <a:p>
             <a:pPr lvl="1"/>
             <a:r>
               <a:rPr/>
-              <a:t>Для достижения результата в проектах, подразумевающих анализ данных, важнее знание предмета, нежели глубокие знания ML.</a:t>
+              <a:t>-pшаблон — указать шаблон для поиска;</a:t>
             </a:r>
           </a:p>
           <a:p>
             <a:pPr lvl="1"/>
             <a:r>
               <a:rPr/>
-              <a:t>Профессия Data Scientist’а сильно переоценена, универсальных специалистов больше не будет.</a:t>
+              <a:t>-C — различать большие и малые буквы;</a:t>
+            </a:r>
+          </a:p>
+          <a:p>
+            <a:pPr lvl="1"/>
+            <a:r>
+              <a:rPr/>
+              <a:t>-n — выдавать номера строк. а затем ищет в указанном файле нужные строки, определяемые ключом -p. Для данной задачи я создал файл text1.sh (рис. [-@fig:001]) и написал соответствующий скрипт.</a:t>
             </a:r>
           </a:p>
         </p:txBody>
@@ -5411,27 +3983,62 @@
           <a:chExt cx="0" cy="0"/>
         </a:xfrm>
       </p:grpSpPr>
-      <p:sp>
-        <p:nvSpPr>
-          <p:cNvPr id="2" name="Title 1"/>
-          <p:cNvSpPr>
-            <a:spLocks noGrp="1"/>
-          </p:cNvSpPr>
-          <p:nvPr>
-            <p:ph type="title"/>
-          </p:nvPr>
-        </p:nvSpPr>
-        <p:spPr/>
-        <p:txBody>
-          <a:bodyPr/>
-          <a:lstStyle/>
-          <a:p>
-            <a:pPr lvl="0" marL="0" indent="0">
+      <p:pic>
+        <p:nvPicPr>
+          <p:cNvPr descr="image/1.png" id="0" name="Picture 1"/>
+          <p:cNvPicPr>
+            <a:picLocks noGrp="1" noChangeAspect="1"/>
+          </p:cNvPicPr>
+          <p:nvPr/>
+        </p:nvPicPr>
+        <p:blipFill>
+          <a:blip r:embed="rId2"/>
+          <a:stretch>
+            <a:fillRect/>
+          </a:stretch>
+        </p:blipFill>
+        <p:spPr bwMode="auto">
+          <a:xfrm>
+            <a:off x="3594100" y="1600200"/>
+            <a:ext cx="1968500" cy="4013200"/>
+          </a:xfrm>
+          <a:prstGeom prst="rect">
+            <a:avLst/>
+          </a:prstGeom>
+          <a:noFill/>
+          <a:ln w="9525">
+            <a:noFill/>
+            <a:headEnd/>
+            <a:tailEnd/>
+          </a:ln>
+        </p:spPr>
+      </p:pic>
+      <p:sp>
+        <p:nvSpPr>
+          <p:cNvPr id="1" name="TextBox 3"/>
+          <p:cNvSpPr txBox="1"/>
+          <p:nvPr/>
+        </p:nvSpPr>
+        <p:spPr>
+          <a:xfrm>
+            <a:off x="457200" y="5613400"/>
+            <a:ext cx="8229600" cy="508000"/>
+          </a:xfrm>
+          <a:prstGeom prst="rect">
+            <a:avLst/>
+          </a:prstGeom>
+          <a:noFill/>
+        </p:spPr>
+        <p:txBody>
+          <a:bodyPr/>
+          <a:lstStyle/>
+          <a:p>
+            <a:pPr lvl="0" marL="0" indent="0" algn="ctr">
               <a:buNone/>
             </a:pPr>
             <a:r>
               <a:rPr/>
-              <a:t>Технологии</a:t>
+              <a:t>Создание</a:t>
             </a:r>
             <a:r>
               <a:rPr/>
@@ -5439,58 +4046,7 @@
             </a:r>
             <a:r>
               <a:rPr/>
-              <a:t>переоценены</a:t>
-            </a:r>
-          </a:p>
-        </p:txBody>
-      </p:sp>
-      <p:sp>
-        <p:nvSpPr>
-          <p:cNvPr id="3" name="Content Placeholder 2"/>
-          <p:cNvSpPr>
-            <a:spLocks noGrp="1"/>
-          </p:cNvSpPr>
-          <p:nvPr>
-            <p:ph idx="1"/>
-          </p:nvPr>
-        </p:nvSpPr>
-        <p:spPr/>
-        <p:txBody>
-          <a:bodyPr/>
-          <a:lstStyle/>
-          <a:p>
-            <a:pPr lvl="1"/>
-            <a:r>
-              <a:rPr/>
-              <a:t>Большинство задач, которые сейчас пытаются решать с помощью современных методов анализа данных и нейросетей – решаются уже давно.</a:t>
-            </a:r>
-          </a:p>
-          <a:p>
-            <a:pPr lvl="1"/>
-            <a:r>
-              <a:rPr/>
-              <a:t>Задачи не новые. Их решают аналитики, которые разбираются в предметной области.</a:t>
-            </a:r>
-          </a:p>
-          <a:p>
-            <a:pPr lvl="1"/>
-            <a:r>
-              <a:rPr/>
-              <a:t>Зачастую алгоритмы машинного обучения в таких системах уже заложены.</a:t>
-            </a:r>
-          </a:p>
-          <a:p>
-            <a:pPr lvl="1"/>
-            <a:r>
-              <a:rPr/>
-              <a:t>Сделать тут что-то принципиально новое и реально применимое крайне сложно.</a:t>
-            </a:r>
-          </a:p>
-          <a:p>
-            <a:pPr lvl="1"/>
-            <a:r>
-              <a:rPr/>
-              <a:t>Яблоки, упавшие с дерева, уже собраны.</a:t>
+              <a:t>файла</a:t>
             </a:r>
           </a:p>
         </p:txBody>
@@ -5519,106 +4075,25 @@
       </p:grpSpPr>
       <p:sp>
         <p:nvSpPr>
-          <p:cNvPr id="2" name="Title 1"/>
-          <p:cNvSpPr>
-            <a:spLocks noGrp="1"/>
-          </p:cNvSpPr>
-          <p:nvPr>
-            <p:ph type="title"/>
-          </p:nvPr>
-        </p:nvSpPr>
-        <p:spPr/>
-        <p:txBody>
-          <a:bodyPr/>
-          <a:lstStyle/>
-          <a:p>
-            <a:pPr lvl="0" marL="0" indent="0">
-              <a:buNone/>
+          <p:cNvPr id="3" name="Content Placeholder 2"/>
+          <p:cNvSpPr>
+            <a:spLocks noGrp="1"/>
+          </p:cNvSpPr>
+          <p:nvPr>
+            <p:ph idx="1"/>
+          </p:nvPr>
+        </p:nvSpPr>
+        <p:spPr/>
+        <p:txBody>
+          <a:bodyPr/>
+          <a:lstStyle/>
+          <a:p>
+            <a:pPr lvl="2">
+              <a:buAutoNum type="arabicParenR"/>
             </a:pPr>
             <a:r>
               <a:rPr/>
-              <a:t>Культура</a:t>
-            </a:r>
-            <a:r>
-              <a:rPr/>
-              <a:t> </a:t>
-            </a:r>
-            <a:r>
-              <a:rPr/>
-              <a:t>аналитического</a:t>
-            </a:r>
-            <a:r>
-              <a:rPr/>
-              <a:t> </a:t>
-            </a:r>
-            <a:r>
-              <a:rPr/>
-              <a:t>мышления</a:t>
-            </a:r>
-          </a:p>
-        </p:txBody>
-      </p:sp>
-      <p:sp>
-        <p:nvSpPr>
-          <p:cNvPr id="3" name="Content Placeholder 2"/>
-          <p:cNvSpPr>
-            <a:spLocks noGrp="1"/>
-          </p:cNvSpPr>
-          <p:nvPr>
-            <p:ph idx="1"/>
-          </p:nvPr>
-        </p:nvSpPr>
-        <p:spPr/>
-        <p:txBody>
-          <a:bodyPr/>
-          <a:lstStyle/>
-          <a:p>
-            <a:pPr lvl="1"/>
-            <a:r>
-              <a:rPr/>
-              <a:t>Нужно глубоко разобраться в предметной области.</a:t>
-            </a:r>
-          </a:p>
-          <a:p>
-            <a:pPr lvl="2"/>
-            <a:r>
-              <a:rPr/>
-              <a:t>какие данные нужны;</a:t>
-            </a:r>
-          </a:p>
-          <a:p>
-            <a:pPr lvl="2"/>
-            <a:r>
-              <a:rPr/>
-              <a:t>нужны ли какие-либо предсказательные алгоритмы;</a:t>
-            </a:r>
-          </a:p>
-          <a:p>
-            <a:pPr lvl="2"/>
-            <a:r>
-              <a:rPr/>
-              <a:t>есть ли возможность верифицировать предсказание.</a:t>
-            </a:r>
-          </a:p>
-          <a:p>
-            <a:pPr lvl="1"/>
-            <a:r>
-              <a:rPr/>
-              <a:t>Требуется аналитический подход.</a:t>
-            </a:r>
-          </a:p>
-          <a:p>
-            <a:pPr lvl="1"/>
-            <a:r>
-              <a:rPr/>
-              <a:t>Требуется культура работы с данными.</a:t>
-            </a:r>
-          </a:p>
-          <a:p>
-            <a:pPr lvl="1"/>
-            <a:r>
-              <a:rPr/>
-              <a:t>Требуется умение ставить гипотезы.</a:t>
+              <a:t>Написал на языке Си программу, которая вводит число и определяет, является ли оно больше нуля, меньше нуля или равно нулю. Затем программа завершается с помощью функции exit(n), передавая информацию в о коде завершения в оболочку. Командный файл должен вызывать эту программу и, проанализировав с помощью команды $?, выдать сообщение о том, какое число было введено. Для данной задачи я создал 2 файла: text2.c text2.sh (рис. [-@fig:002]) и написал соответствующие скрипты.</a:t>
             </a:r>
           </a:p>
         </p:txBody>
@@ -5645,27 +4120,62 @@
           <a:chExt cx="0" cy="0"/>
         </a:xfrm>
       </p:grpSpPr>
-      <p:sp>
-        <p:nvSpPr>
-          <p:cNvPr id="2" name="Title 1"/>
-          <p:cNvSpPr>
-            <a:spLocks noGrp="1"/>
-          </p:cNvSpPr>
-          <p:nvPr>
-            <p:ph type="title"/>
-          </p:nvPr>
-        </p:nvSpPr>
-        <p:spPr/>
-        <p:txBody>
-          <a:bodyPr/>
-          <a:lstStyle/>
-          <a:p>
-            <a:pPr lvl="0" marL="0" indent="0">
+      <p:pic>
+        <p:nvPicPr>
+          <p:cNvPr descr="image/2.png" id="0" name="Picture 1"/>
+          <p:cNvPicPr>
+            <a:picLocks noGrp="1" noChangeAspect="1"/>
+          </p:cNvPicPr>
+          <p:nvPr/>
+        </p:nvPicPr>
+        <p:blipFill>
+          <a:blip r:embed="rId2"/>
+          <a:stretch>
+            <a:fillRect/>
+          </a:stretch>
+        </p:blipFill>
+        <p:spPr bwMode="auto">
+          <a:xfrm>
+            <a:off x="2628900" y="1600200"/>
+            <a:ext cx="3873500" cy="4013200"/>
+          </a:xfrm>
+          <a:prstGeom prst="rect">
+            <a:avLst/>
+          </a:prstGeom>
+          <a:noFill/>
+          <a:ln w="9525">
+            <a:noFill/>
+            <a:headEnd/>
+            <a:tailEnd/>
+          </a:ln>
+        </p:spPr>
+      </p:pic>
+      <p:sp>
+        <p:nvSpPr>
+          <p:cNvPr id="1" name="TextBox 3"/>
+          <p:cNvSpPr txBox="1"/>
+          <p:nvPr/>
+        </p:nvSpPr>
+        <p:spPr>
+          <a:xfrm>
+            <a:off x="457200" y="5613400"/>
+            <a:ext cx="8229600" cy="508000"/>
+          </a:xfrm>
+          <a:prstGeom prst="rect">
+            <a:avLst/>
+          </a:prstGeom>
+          <a:noFill/>
+        </p:spPr>
+        <p:txBody>
+          <a:bodyPr/>
+          <a:lstStyle/>
+          <a:p>
+            <a:pPr lvl="0" marL="0" indent="0" algn="ctr">
               <a:buNone/>
             </a:pPr>
             <a:r>
               <a:rPr/>
-              <a:t>Уничтожение</a:t>
+              <a:t>Создание</a:t>
             </a:r>
             <a:r>
               <a:rPr/>
@@ -5673,69 +4183,7 @@
             </a:r>
             <a:r>
               <a:rPr/>
-              <a:t>культуры</a:t>
-            </a:r>
-            <a:r>
-              <a:rPr/>
-              <a:t> </a:t>
-            </a:r>
-            <a:r>
-              <a:rPr/>
-              <a:t>аналитического</a:t>
-            </a:r>
-            <a:r>
-              <a:rPr/>
-              <a:t> </a:t>
-            </a:r>
-            <a:r>
-              <a:rPr/>
-              <a:t>мышления</a:t>
-            </a:r>
-          </a:p>
-        </p:txBody>
-      </p:sp>
-      <p:sp>
-        <p:nvSpPr>
-          <p:cNvPr id="3" name="Content Placeholder 2"/>
-          <p:cNvSpPr>
-            <a:spLocks noGrp="1"/>
-          </p:cNvSpPr>
-          <p:nvPr>
-            <p:ph idx="1"/>
-          </p:nvPr>
-        </p:nvSpPr>
-        <p:spPr/>
-        <p:txBody>
-          <a:bodyPr/>
-          <a:lstStyle/>
-          <a:p>
-            <a:pPr lvl="0" marL="0" indent="0">
-              <a:buNone/>
-            </a:pPr>
-            <a:r>
-              <a:rPr/>
-              <a:t>Большинство современных Data Scientist’ов = дети на спорткаре</a:t>
-            </a:r>
-          </a:p>
-          <a:p>
-            <a:pPr lvl="1"/>
-            <a:r>
-              <a:rPr/>
-              <a:t>считают себя уникальными;</a:t>
-            </a:r>
-          </a:p>
-          <a:p>
-            <a:pPr lvl="1"/>
-            <a:r>
-              <a:rPr/>
-              <a:t>водить не умеют;</a:t>
-            </a:r>
-          </a:p>
-          <a:p>
-            <a:pPr lvl="1"/>
-            <a:r>
-              <a:rPr/>
-              <a:t>едут быстро только потому, что сильное железо.</a:t>
+              <a:t>файла</a:t>
             </a:r>
           </a:p>
         </p:txBody>
@@ -5764,103 +4212,25 @@
       </p:grpSpPr>
       <p:sp>
         <p:nvSpPr>
-          <p:cNvPr id="2" name="Title 1"/>
-          <p:cNvSpPr>
-            <a:spLocks noGrp="1"/>
-          </p:cNvSpPr>
-          <p:nvPr>
-            <p:ph type="title"/>
-          </p:nvPr>
-        </p:nvSpPr>
-        <p:spPr/>
-        <p:txBody>
-          <a:bodyPr/>
-          <a:lstStyle/>
-          <a:p>
-            <a:pPr lvl="0" marL="0" indent="0">
-              <a:buNone/>
+          <p:cNvPr id="3" name="Content Placeholder 2"/>
+          <p:cNvSpPr>
+            <a:spLocks noGrp="1"/>
+          </p:cNvSpPr>
+          <p:nvPr>
+            <p:ph idx="1"/>
+          </p:nvPr>
+        </p:nvSpPr>
+        <p:spPr/>
+        <p:txBody>
+          <a:bodyPr/>
+          <a:lstStyle/>
+          <a:p>
+            <a:pPr lvl="1">
+              <a:buAutoNum type="arabicParenR"/>
             </a:pPr>
             <a:r>
               <a:rPr/>
-              <a:t>Важнее</a:t>
-            </a:r>
-            <a:r>
-              <a:rPr/>
-              <a:t> </a:t>
-            </a:r>
-            <a:r>
-              <a:rPr/>
-              <a:t>знание</a:t>
-            </a:r>
-            <a:r>
-              <a:rPr/>
-              <a:t> </a:t>
-            </a:r>
-            <a:r>
-              <a:rPr/>
-              <a:t>предмета</a:t>
-            </a:r>
-          </a:p>
-        </p:txBody>
-      </p:sp>
-      <p:sp>
-        <p:nvSpPr>
-          <p:cNvPr id="3" name="Content Placeholder 2"/>
-          <p:cNvSpPr>
-            <a:spLocks noGrp="1"/>
-          </p:cNvSpPr>
-          <p:nvPr>
-            <p:ph idx="1"/>
-          </p:nvPr>
-        </p:nvSpPr>
-        <p:spPr/>
-        <p:txBody>
-          <a:bodyPr/>
-          <a:lstStyle/>
-          <a:p>
-            <a:pPr lvl="0" marL="0" indent="0">
-              <a:buNone/>
-            </a:pPr>
-            <a:r>
-              <a:rPr/>
-              <a:t>Data Scientists:</a:t>
-            </a:r>
-          </a:p>
-          <a:p>
-            <a:pPr lvl="1"/>
-            <a:r>
-              <a:rPr/>
-              <a:t>почти не задают никаких вопросов;</a:t>
-            </a:r>
-          </a:p>
-          <a:p>
-            <a:pPr lvl="1"/>
-            <a:r>
-              <a:rPr/>
-              <a:t>данные и так обо всем расскажут;</a:t>
-            </a:r>
-          </a:p>
-          <a:p>
-            <a:pPr lvl="1"/>
-            <a:r>
-              <a:rPr/>
-              <a:t>забирают какие-то данные;</a:t>
-            </a:r>
-          </a:p>
-          <a:p>
-            <a:pPr lvl="1"/>
-            <a:r>
-              <a:rPr/>
-              <a:t>говорят, что построили какую-то модель.</a:t>
-            </a:r>
-          </a:p>
-          <a:p>
-            <a:pPr lvl="0" marL="0" indent="0">
-              <a:buNone/>
-            </a:pPr>
-            <a:r>
-              <a:rPr/>
-              <a:t>Результат не проверяем.</a:t>
+              <a:t>Проверил работу написанных скриптов (команда ./text2.sh), предварительно добавив право на исполнение файл (chmod +x text2.sh). Скрипты работают корректно.(рис. [-@fig:003])</a:t>
             </a:r>
           </a:p>
         </p:txBody>
@@ -5887,27 +4257,62 @@
           <a:chExt cx="0" cy="0"/>
         </a:xfrm>
       </p:grpSpPr>
-      <p:sp>
-        <p:nvSpPr>
-          <p:cNvPr id="2" name="Title 1"/>
-          <p:cNvSpPr>
-            <a:spLocks noGrp="1"/>
-          </p:cNvSpPr>
-          <p:nvPr>
-            <p:ph type="title"/>
-          </p:nvPr>
-        </p:nvSpPr>
-        <p:spPr/>
-        <p:txBody>
-          <a:bodyPr/>
-          <a:lstStyle/>
-          <a:p>
-            <a:pPr lvl="0" marL="0" indent="0">
+      <p:pic>
+        <p:nvPicPr>
+          <p:cNvPr descr="image/3.png" id="0" name="Picture 1"/>
+          <p:cNvPicPr>
+            <a:picLocks noGrp="1" noChangeAspect="1"/>
+          </p:cNvPicPr>
+          <p:nvPr/>
+        </p:nvPicPr>
+        <p:blipFill>
+          <a:blip r:embed="rId2"/>
+          <a:stretch>
+            <a:fillRect/>
+          </a:stretch>
+        </p:blipFill>
+        <p:spPr bwMode="auto">
+          <a:xfrm>
+            <a:off x="1270000" y="1600200"/>
+            <a:ext cx="6604000" cy="4013200"/>
+          </a:xfrm>
+          <a:prstGeom prst="rect">
+            <a:avLst/>
+          </a:prstGeom>
+          <a:noFill/>
+          <a:ln w="9525">
+            <a:noFill/>
+            <a:headEnd/>
+            <a:tailEnd/>
+          </a:ln>
+        </p:spPr>
+      </p:pic>
+      <p:sp>
+        <p:nvSpPr>
+          <p:cNvPr id="1" name="TextBox 3"/>
+          <p:cNvSpPr txBox="1"/>
+          <p:nvPr/>
+        </p:nvSpPr>
+        <p:spPr>
+          <a:xfrm>
+            <a:off x="457200" y="5613400"/>
+            <a:ext cx="8229600" cy="508000"/>
+          </a:xfrm>
+          <a:prstGeom prst="rect">
+            <a:avLst/>
+          </a:prstGeom>
+          <a:noFill/>
+        </p:spPr>
+        <p:txBody>
+          <a:bodyPr/>
+          <a:lstStyle/>
+          <a:p>
+            <a:pPr lvl="0" marL="0" indent="0" algn="ctr">
               <a:buNone/>
             </a:pPr>
             <a:r>
               <a:rPr/>
-              <a:t>Универсальных</a:t>
+              <a:t>Проверка</a:t>
             </a:r>
             <a:r>
               <a:rPr/>
@@ -5915,70 +4320,7 @@
             </a:r>
             <a:r>
               <a:rPr/>
-              <a:t>специалистов</a:t>
-            </a:r>
-            <a:r>
-              <a:rPr/>
-              <a:t> </a:t>
-            </a:r>
-            <a:r>
-              <a:rPr/>
-              <a:t>больше</a:t>
-            </a:r>
-            <a:r>
-              <a:rPr/>
-              <a:t> </a:t>
-            </a:r>
-            <a:r>
-              <a:rPr/>
-              <a:t>не</a:t>
-            </a:r>
-            <a:r>
-              <a:rPr/>
-              <a:t> </a:t>
-            </a:r>
-            <a:r>
-              <a:rPr/>
-              <a:t>будет</a:t>
-            </a:r>
-          </a:p>
-        </p:txBody>
-      </p:sp>
-      <p:sp>
-        <p:nvSpPr>
-          <p:cNvPr id="3" name="Content Placeholder 2"/>
-          <p:cNvSpPr>
-            <a:spLocks noGrp="1"/>
-          </p:cNvSpPr>
-          <p:nvPr>
-            <p:ph idx="1"/>
-          </p:nvPr>
-        </p:nvSpPr>
-        <p:spPr/>
-        <p:txBody>
-          <a:bodyPr/>
-          <a:lstStyle/>
-          <a:p>
-            <a:pPr lvl="0" marL="0" indent="0">
-              <a:buNone/>
-            </a:pPr>
-            <a:r>
-              <a:rPr/>
-              <a:t>Data Scientist</a:t>
-            </a:r>
-          </a:p>
-          <a:p>
-            <a:pPr lvl="1"/>
-            <a:r>
-              <a:rPr/>
-              <a:t>не может быть универсалом;</a:t>
-            </a:r>
-          </a:p>
-          <a:p>
-            <a:pPr lvl="1"/>
-            <a:r>
-              <a:rPr/>
-              <a:t>должен быть экспертом в предметной области.</a:t>
+              <a:t>работы</a:t>
             </a:r>
           </a:p>
         </p:txBody>
@@ -6007,82 +4349,25 @@
       </p:grpSpPr>
       <p:sp>
         <p:nvSpPr>
-          <p:cNvPr id="2" name="Title 1"/>
-          <p:cNvSpPr>
-            <a:spLocks noGrp="1"/>
-          </p:cNvSpPr>
-          <p:nvPr>
-            <p:ph type="title"/>
-          </p:nvPr>
-        </p:nvSpPr>
-        <p:spPr/>
-        <p:txBody>
-          <a:bodyPr/>
-          <a:lstStyle/>
-          <a:p>
-            <a:pPr lvl="0" marL="0" indent="0">
-              <a:buNone/>
+          <p:cNvPr id="3" name="Content Placeholder 2"/>
+          <p:cNvSpPr>
+            <a:spLocks noGrp="1"/>
+          </p:cNvSpPr>
+          <p:nvPr>
+            <p:ph idx="1"/>
+          </p:nvPr>
+        </p:nvSpPr>
+        <p:spPr/>
+        <p:txBody>
+          <a:bodyPr/>
+          <a:lstStyle/>
+          <a:p>
+            <a:pPr lvl="2">
+              <a:buAutoNum type="arabicParenR"/>
             </a:pPr>
             <a:r>
               <a:rPr/>
-              <a:t>Универсальных</a:t>
-            </a:r>
-            <a:r>
-              <a:rPr/>
-              <a:t> </a:t>
-            </a:r>
-            <a:r>
-              <a:rPr/>
-              <a:t>специалистов</a:t>
-            </a:r>
-            <a:r>
-              <a:rPr/>
-              <a:t> </a:t>
-            </a:r>
-            <a:r>
-              <a:rPr/>
-              <a:t>больше</a:t>
-            </a:r>
-            <a:r>
-              <a:rPr/>
-              <a:t> </a:t>
-            </a:r>
-            <a:r>
-              <a:rPr/>
-              <a:t>не</a:t>
-            </a:r>
-            <a:r>
-              <a:rPr/>
-              <a:t> </a:t>
-            </a:r>
-            <a:r>
-              <a:rPr/>
-              <a:t>будет</a:t>
-            </a:r>
-          </a:p>
-        </p:txBody>
-      </p:sp>
-      <p:sp>
-        <p:nvSpPr>
-          <p:cNvPr id="3" name="Content Placeholder 2"/>
-          <p:cNvSpPr>
-            <a:spLocks noGrp="1"/>
-          </p:cNvSpPr>
-          <p:nvPr>
-            <p:ph idx="1"/>
-          </p:nvPr>
-        </p:nvSpPr>
-        <p:spPr/>
-        <p:txBody>
-          <a:bodyPr/>
-          <a:lstStyle/>
-          <a:p>
-            <a:pPr lvl="0" marL="0" indent="0">
-              <a:buNone/>
-            </a:pPr>
-            <a:r>
-              <a:rPr/>
-              <a:t>Хайп закончился.</a:t>
+              <a:t>Написал командный файл, создающий указанное число файлов, пронумерованных последовательно от 1 до (например 1.tmp, 2.tmp, 𝑁3.tmp,4.tmp и т.д.). Число файлов, которые необходимо создать, передается в аргументы командной строки. Этот же командный файл должен уметь удалять все созданные им файлы (если они существуют). Для данной задачи я создал файл text3.sh (рис. [-@fig:004]) и написал соответствующий скрипт.</a:t>
             </a:r>
           </a:p>
         </p:txBody>
